--- a/ppt/2016182037-스크립트언어 2차발표.pptx
+++ b/ppt/2016182037-스크립트언어 2차발표.pptx
@@ -9,10 +9,10 @@
     <p:sldId id="267" r:id="rId3"/>
     <p:sldId id="265" r:id="rId4"/>
     <p:sldId id="266" r:id="rId5"/>
-    <p:sldId id="268" r:id="rId6"/>
-    <p:sldId id="264" r:id="rId7"/>
-    <p:sldId id="269" r:id="rId8"/>
-    <p:sldId id="272" r:id="rId9"/>
+    <p:sldId id="264" r:id="rId6"/>
+    <p:sldId id="273" r:id="rId7"/>
+    <p:sldId id="272" r:id="rId8"/>
+    <p:sldId id="268" r:id="rId9"/>
     <p:sldId id="271" r:id="rId10"/>
   </p:sldIdLst>
   <p:sldSz cx="12192000" cy="6858000"/>
@@ -267,7 +267,7 @@
           <a:p>
             <a:fld id="{CB5A8A7A-341F-42CE-8A49-18A9920D761A}" type="datetimeFigureOut">
               <a:rPr lang="ko-KR" altLang="en-US" smtClean="0"/>
-              <a:t>2018-05-28</a:t>
+              <a:t>2018-05-29</a:t>
             </a:fld>
             <a:endParaRPr lang="ko-KR" altLang="en-US"/>
           </a:p>
@@ -465,7 +465,7 @@
           <a:p>
             <a:fld id="{CB5A8A7A-341F-42CE-8A49-18A9920D761A}" type="datetimeFigureOut">
               <a:rPr lang="ko-KR" altLang="en-US" smtClean="0"/>
-              <a:t>2018-05-28</a:t>
+              <a:t>2018-05-29</a:t>
             </a:fld>
             <a:endParaRPr lang="ko-KR" altLang="en-US"/>
           </a:p>
@@ -673,7 +673,7 @@
           <a:p>
             <a:fld id="{CB5A8A7A-341F-42CE-8A49-18A9920D761A}" type="datetimeFigureOut">
               <a:rPr lang="ko-KR" altLang="en-US" smtClean="0"/>
-              <a:t>2018-05-28</a:t>
+              <a:t>2018-05-29</a:t>
             </a:fld>
             <a:endParaRPr lang="ko-KR" altLang="en-US"/>
           </a:p>
@@ -871,7 +871,7 @@
           <a:p>
             <a:fld id="{CB5A8A7A-341F-42CE-8A49-18A9920D761A}" type="datetimeFigureOut">
               <a:rPr lang="ko-KR" altLang="en-US" smtClean="0"/>
-              <a:t>2018-05-28</a:t>
+              <a:t>2018-05-29</a:t>
             </a:fld>
             <a:endParaRPr lang="ko-KR" altLang="en-US"/>
           </a:p>
@@ -1146,7 +1146,7 @@
           <a:p>
             <a:fld id="{CB5A8A7A-341F-42CE-8A49-18A9920D761A}" type="datetimeFigureOut">
               <a:rPr lang="ko-KR" altLang="en-US" smtClean="0"/>
-              <a:t>2018-05-28</a:t>
+              <a:t>2018-05-29</a:t>
             </a:fld>
             <a:endParaRPr lang="ko-KR" altLang="en-US"/>
           </a:p>
@@ -1411,7 +1411,7 @@
           <a:p>
             <a:fld id="{CB5A8A7A-341F-42CE-8A49-18A9920D761A}" type="datetimeFigureOut">
               <a:rPr lang="ko-KR" altLang="en-US" smtClean="0"/>
-              <a:t>2018-05-28</a:t>
+              <a:t>2018-05-29</a:t>
             </a:fld>
             <a:endParaRPr lang="ko-KR" altLang="en-US"/>
           </a:p>
@@ -1823,7 +1823,7 @@
           <a:p>
             <a:fld id="{CB5A8A7A-341F-42CE-8A49-18A9920D761A}" type="datetimeFigureOut">
               <a:rPr lang="ko-KR" altLang="en-US" smtClean="0"/>
-              <a:t>2018-05-28</a:t>
+              <a:t>2018-05-29</a:t>
             </a:fld>
             <a:endParaRPr lang="ko-KR" altLang="en-US"/>
           </a:p>
@@ -1964,7 +1964,7 @@
           <a:p>
             <a:fld id="{CB5A8A7A-341F-42CE-8A49-18A9920D761A}" type="datetimeFigureOut">
               <a:rPr lang="ko-KR" altLang="en-US" smtClean="0"/>
-              <a:t>2018-05-28</a:t>
+              <a:t>2018-05-29</a:t>
             </a:fld>
             <a:endParaRPr lang="ko-KR" altLang="en-US"/>
           </a:p>
@@ -2077,7 +2077,7 @@
           <a:p>
             <a:fld id="{CB5A8A7A-341F-42CE-8A49-18A9920D761A}" type="datetimeFigureOut">
               <a:rPr lang="ko-KR" altLang="en-US" smtClean="0"/>
-              <a:t>2018-05-28</a:t>
+              <a:t>2018-05-29</a:t>
             </a:fld>
             <a:endParaRPr lang="ko-KR" altLang="en-US"/>
           </a:p>
@@ -2388,7 +2388,7 @@
           <a:p>
             <a:fld id="{CB5A8A7A-341F-42CE-8A49-18A9920D761A}" type="datetimeFigureOut">
               <a:rPr lang="ko-KR" altLang="en-US" smtClean="0"/>
-              <a:t>2018-05-28</a:t>
+              <a:t>2018-05-29</a:t>
             </a:fld>
             <a:endParaRPr lang="ko-KR" altLang="en-US"/>
           </a:p>
@@ -2676,7 +2676,7 @@
           <a:p>
             <a:fld id="{CB5A8A7A-341F-42CE-8A49-18A9920D761A}" type="datetimeFigureOut">
               <a:rPr lang="ko-KR" altLang="en-US" smtClean="0"/>
-              <a:t>2018-05-28</a:t>
+              <a:t>2018-05-29</a:t>
             </a:fld>
             <a:endParaRPr lang="ko-KR" altLang="en-US"/>
           </a:p>
@@ -2917,7 +2917,7 @@
           <a:p>
             <a:fld id="{CB5A8A7A-341F-42CE-8A49-18A9920D761A}" type="datetimeFigureOut">
               <a:rPr lang="ko-KR" altLang="en-US" smtClean="0"/>
-              <a:t>2018-05-28</a:t>
+              <a:t>2018-05-29</a:t>
             </a:fld>
             <a:endParaRPr lang="ko-KR" altLang="en-US"/>
           </a:p>
@@ -3487,7 +3487,7 @@
                 <a:ea typeface="함초롬돋움" panose="020B0604000101010101" pitchFamily="50" charset="-127"/>
                 <a:cs typeface="함초롬돋움" panose="020B0604000101010101" pitchFamily="50" charset="-127"/>
               </a:rPr>
-              <a:t>발표</a:t>
+              <a:t>시연 발표</a:t>
             </a:r>
             <a:endParaRPr lang="en-US" altLang="ko-KR" sz="6000" b="1" dirty="0">
               <a:latin typeface="함초롬돋움" panose="020B0604000101010101" pitchFamily="50" charset="-127"/>
@@ -4091,7 +4091,7 @@
                   <a:rPr lang="ko-KR" altLang="en-US" sz="4000" b="1" dirty="0">
                     <a:latin typeface="Eras Bold ITC" panose="020B0907030504020204" pitchFamily="34" charset="0"/>
                   </a:rPr>
-                  <a:t>       개발 일정</a:t>
+                  <a:t>       현재 구현 기능</a:t>
                 </a:r>
               </a:p>
             </p:txBody>
@@ -4185,7 +4185,7 @@
                   <a:rPr lang="ko-KR" altLang="en-US" sz="4000" b="1" dirty="0">
                     <a:latin typeface="Eras Bold ITC" panose="020B0907030504020204" pitchFamily="34" charset="0"/>
                   </a:rPr>
-                  <a:t>       현재 구현 기능</a:t>
+                  <a:t>       개발 일정</a:t>
                 </a:r>
               </a:p>
             </p:txBody>
@@ -5499,1813 +5499,6 @@
           <a:prstGeom prst="roundRect">
             <a:avLst/>
           </a:prstGeom>
-          <a:ln w="127000">
-            <a:solidFill>
-              <a:schemeClr val="accent6"/>
-            </a:solidFill>
-          </a:ln>
-        </p:spPr>
-        <p:style>
-          <a:lnRef idx="2">
-            <a:schemeClr val="accent6"/>
-          </a:lnRef>
-          <a:fillRef idx="1">
-            <a:schemeClr val="lt1"/>
-          </a:fillRef>
-          <a:effectRef idx="0">
-            <a:schemeClr val="accent6"/>
-          </a:effectRef>
-          <a:fontRef idx="minor">
-            <a:schemeClr val="dk1"/>
-          </a:fontRef>
-        </p:style>
-        <p:txBody>
-          <a:bodyPr rtlCol="0" anchor="ctr"/>
-          <a:lstStyle/>
-          <a:p>
-            <a:pPr algn="ctr"/>
-            <a:endParaRPr lang="ko-KR" altLang="en-US" dirty="0"/>
-          </a:p>
-        </p:txBody>
-      </p:sp>
-      <p:sp>
-        <p:nvSpPr>
-          <p:cNvPr id="3" name="TextBox 2">
-            <a:extLst>
-              <a:ext uri="{FF2B5EF4-FFF2-40B4-BE49-F238E27FC236}">
-                <a16:creationId xmlns:a16="http://schemas.microsoft.com/office/drawing/2014/main" id="{DB96E55E-CF97-45EC-BACB-E289D48C45B8}"/>
-              </a:ext>
-            </a:extLst>
-          </p:cNvPr>
-          <p:cNvSpPr txBox="1"/>
-          <p:nvPr/>
-        </p:nvSpPr>
-        <p:spPr>
-          <a:xfrm>
-            <a:off x="5444834" y="6002666"/>
-            <a:ext cx="1302329" cy="369332"/>
-          </a:xfrm>
-          <a:prstGeom prst="rect">
-            <a:avLst/>
-          </a:prstGeom>
-          <a:noFill/>
-        </p:spPr>
-        <p:txBody>
-          <a:bodyPr wrap="square" rtlCol="0">
-            <a:spAutoFit/>
-          </a:bodyPr>
-          <a:lstStyle/>
-          <a:p>
-            <a:pPr algn="ctr"/>
-            <a:r>
-              <a:rPr lang="en-US" altLang="ko-KR" b="1" dirty="0">
-                <a:solidFill>
-                  <a:schemeClr val="accent6"/>
-                </a:solidFill>
-              </a:rPr>
-              <a:t>-</a:t>
-            </a:r>
-            <a:r>
-              <a:rPr lang="en-US" altLang="ko-KR" b="1" dirty="0">
-                <a:solidFill>
-                  <a:schemeClr val="accent6"/>
-                </a:solidFill>
-                <a:latin typeface="함초롬돋움" panose="020B0604000101010101" pitchFamily="50" charset="-127"/>
-                <a:ea typeface="함초롬돋움" panose="020B0604000101010101" pitchFamily="50" charset="-127"/>
-                <a:cs typeface="함초롬돋움" panose="020B0604000101010101" pitchFamily="50" charset="-127"/>
-              </a:rPr>
-              <a:t> 07 / 00 </a:t>
-            </a:r>
-            <a:r>
-              <a:rPr lang="en-US" altLang="ko-KR" b="1" dirty="0">
-                <a:solidFill>
-                  <a:schemeClr val="accent6"/>
-                </a:solidFill>
-              </a:rPr>
-              <a:t>-</a:t>
-            </a:r>
-            <a:endParaRPr lang="ko-KR" altLang="en-US" b="1" dirty="0">
-              <a:solidFill>
-                <a:schemeClr val="accent6"/>
-              </a:solidFill>
-            </a:endParaRPr>
-          </a:p>
-        </p:txBody>
-      </p:sp>
-      <p:grpSp>
-        <p:nvGrpSpPr>
-          <p:cNvPr id="5" name="그룹 4">
-            <a:extLst>
-              <a:ext uri="{FF2B5EF4-FFF2-40B4-BE49-F238E27FC236}">
-                <a16:creationId xmlns:a16="http://schemas.microsoft.com/office/drawing/2014/main" id="{769EB77F-F56B-4421-AEC1-5BA8328BFF5E}"/>
-              </a:ext>
-            </a:extLst>
-          </p:cNvPr>
-          <p:cNvGrpSpPr/>
-          <p:nvPr/>
-        </p:nvGrpSpPr>
-        <p:grpSpPr>
-          <a:xfrm>
-            <a:off x="886692" y="579776"/>
-            <a:ext cx="9296399" cy="668354"/>
-            <a:chOff x="886692" y="579776"/>
-            <a:chExt cx="9296399" cy="668354"/>
-          </a:xfrm>
-        </p:grpSpPr>
-        <p:sp>
-          <p:nvSpPr>
-            <p:cNvPr id="6" name="TextBox 5">
-              <a:extLst>
-                <a:ext uri="{FF2B5EF4-FFF2-40B4-BE49-F238E27FC236}">
-                  <a16:creationId xmlns:a16="http://schemas.microsoft.com/office/drawing/2014/main" id="{44470F2E-6F66-4944-A30A-DB3E2DCA175F}"/>
-                </a:ext>
-              </a:extLst>
-            </p:cNvPr>
-            <p:cNvSpPr txBox="1"/>
-            <p:nvPr/>
-          </p:nvSpPr>
-          <p:spPr>
-            <a:xfrm>
-              <a:off x="4225636" y="579776"/>
-              <a:ext cx="5957455" cy="630942"/>
-            </a:xfrm>
-            <a:prstGeom prst="rect">
-              <a:avLst/>
-            </a:prstGeom>
-            <a:noFill/>
-          </p:spPr>
-          <p:txBody>
-            <a:bodyPr wrap="square" rtlCol="0">
-              <a:spAutoFit/>
-            </a:bodyPr>
-            <a:lstStyle/>
-            <a:p>
-              <a:r>
-                <a:rPr lang="ko-KR" altLang="en-US" sz="3500" b="1" dirty="0">
-                  <a:latin typeface="함초롬돋움" panose="020B0604000101010101" pitchFamily="50" charset="-127"/>
-                  <a:ea typeface="함초롬돋움" panose="020B0604000101010101" pitchFamily="50" charset="-127"/>
-                  <a:cs typeface="함초롬돋움" panose="020B0604000101010101" pitchFamily="50" charset="-127"/>
-                </a:rPr>
-                <a:t>개발 일정</a:t>
-              </a:r>
-            </a:p>
-          </p:txBody>
-        </p:sp>
-        <p:grpSp>
-          <p:nvGrpSpPr>
-            <p:cNvPr id="7" name="그룹 6">
-              <a:extLst>
-                <a:ext uri="{FF2B5EF4-FFF2-40B4-BE49-F238E27FC236}">
-                  <a16:creationId xmlns:a16="http://schemas.microsoft.com/office/drawing/2014/main" id="{85DFD28E-4166-4C67-966B-17D5A6C10F71}"/>
-                </a:ext>
-              </a:extLst>
-            </p:cNvPr>
-            <p:cNvGrpSpPr/>
-            <p:nvPr/>
-          </p:nvGrpSpPr>
-          <p:grpSpPr>
-            <a:xfrm>
-              <a:off x="886692" y="617188"/>
-              <a:ext cx="3338944" cy="630942"/>
-              <a:chOff x="3064534" y="1838135"/>
-              <a:chExt cx="6936658" cy="527109"/>
-            </a:xfrm>
-          </p:grpSpPr>
-          <p:pic>
-            <p:nvPicPr>
-              <p:cNvPr id="8" name="그림 7">
-                <a:extLst>
-                  <a:ext uri="{FF2B5EF4-FFF2-40B4-BE49-F238E27FC236}">
-                    <a16:creationId xmlns:a16="http://schemas.microsoft.com/office/drawing/2014/main" id="{6F879E2F-1C37-495E-9D80-EE067540A64F}"/>
-                  </a:ext>
-                </a:extLst>
-              </p:cNvPr>
-              <p:cNvPicPr>
-                <a:picLocks noChangeAspect="1"/>
-              </p:cNvPicPr>
-              <p:nvPr/>
-            </p:nvPicPr>
-            <p:blipFill>
-              <a:blip r:embed="rId2">
-                <a:extLst>
-                  <a:ext uri="{28A0092B-C50C-407E-A947-70E740481C1C}">
-                    <a14:useLocalDpi xmlns:a14="http://schemas.microsoft.com/office/drawing/2010/main" val="0"/>
-                  </a:ext>
-                </a:extLst>
-              </a:blip>
-              <a:stretch>
-                <a:fillRect/>
-              </a:stretch>
-            </p:blipFill>
-            <p:spPr>
-              <a:xfrm>
-                <a:off x="3064534" y="1883069"/>
-                <a:ext cx="868171" cy="473885"/>
-              </a:xfrm>
-              <a:prstGeom prst="rect">
-                <a:avLst/>
-              </a:prstGeom>
-            </p:spPr>
-          </p:pic>
-          <p:sp>
-            <p:nvSpPr>
-              <p:cNvPr id="9" name="TextBox 8">
-                <a:extLst>
-                  <a:ext uri="{FF2B5EF4-FFF2-40B4-BE49-F238E27FC236}">
-                    <a16:creationId xmlns:a16="http://schemas.microsoft.com/office/drawing/2014/main" id="{00C046BC-D7E0-402B-831B-4A39A1A3AFB8}"/>
-                  </a:ext>
-                </a:extLst>
-              </p:cNvPr>
-              <p:cNvSpPr txBox="1"/>
-              <p:nvPr/>
-            </p:nvSpPr>
-            <p:spPr>
-              <a:xfrm>
-                <a:off x="3932707" y="1838135"/>
-                <a:ext cx="6068485" cy="527109"/>
-              </a:xfrm>
-              <a:prstGeom prst="rect">
-                <a:avLst/>
-              </a:prstGeom>
-              <a:noFill/>
-            </p:spPr>
-            <p:txBody>
-              <a:bodyPr wrap="square" rtlCol="0">
-                <a:spAutoFit/>
-              </a:bodyPr>
-              <a:lstStyle/>
-              <a:p>
-                <a:r>
-                  <a:rPr lang="en-US" altLang="ko-KR" sz="3500" dirty="0" err="1">
-                    <a:solidFill>
-                      <a:schemeClr val="accent6"/>
-                    </a:solidFill>
-                    <a:latin typeface="Eras Bold ITC" panose="020B0907030504020204" pitchFamily="34" charset="0"/>
-                  </a:rPr>
-                  <a:t>MediWhere</a:t>
-                </a:r>
-                <a:endParaRPr lang="ko-KR" altLang="en-US" sz="3500" dirty="0">
-                  <a:solidFill>
-                    <a:schemeClr val="accent6"/>
-                  </a:solidFill>
-                  <a:latin typeface="Eras Bold ITC" panose="020B0907030504020204" pitchFamily="34" charset="0"/>
-                </a:endParaRPr>
-              </a:p>
-            </p:txBody>
-          </p:sp>
-        </p:grpSp>
-      </p:grpSp>
-      <p:graphicFrame>
-        <p:nvGraphicFramePr>
-          <p:cNvPr id="19" name="표 18">
-            <a:extLst>
-              <a:ext uri="{FF2B5EF4-FFF2-40B4-BE49-F238E27FC236}">
-                <a16:creationId xmlns:a16="http://schemas.microsoft.com/office/drawing/2014/main" id="{79C4F2DF-66AA-4625-A3E0-DBF8148B7786}"/>
-              </a:ext>
-            </a:extLst>
-          </p:cNvPr>
-          <p:cNvGraphicFramePr>
-            <a:graphicFrameLocks noGrp="1"/>
-          </p:cNvGraphicFramePr>
-          <p:nvPr>
-            <p:extLst>
-              <p:ext uri="{D42A27DB-BD31-4B8C-83A1-F6EECF244321}">
-                <p14:modId xmlns:p14="http://schemas.microsoft.com/office/powerpoint/2010/main" val="503521655"/>
-              </p:ext>
-            </p:extLst>
-          </p:nvPr>
-        </p:nvGraphicFramePr>
-        <p:xfrm>
-          <a:off x="1002798" y="1346265"/>
-          <a:ext cx="10186399" cy="4998720"/>
-        </p:xfrm>
-        <a:graphic>
-          <a:graphicData uri="http://schemas.openxmlformats.org/drawingml/2006/table">
-            <a:tbl>
-              <a:tblPr firstRow="1" bandRow="1">
-                <a:tableStyleId>{93296810-A885-4BE3-A3E7-6D5BEEA58F35}</a:tableStyleId>
-              </a:tblPr>
-              <a:tblGrid>
-                <a:gridCol w="1286088">
-                  <a:extLst>
-                    <a:ext uri="{9D8B030D-6E8A-4147-A177-3AD203B41FA5}">
-                      <a16:colId xmlns:a16="http://schemas.microsoft.com/office/drawing/2014/main" val="3130116251"/>
-                    </a:ext>
-                  </a:extLst>
-                </a:gridCol>
-                <a:gridCol w="3513887">
-                  <a:extLst>
-                    <a:ext uri="{9D8B030D-6E8A-4147-A177-3AD203B41FA5}">
-                      <a16:colId xmlns:a16="http://schemas.microsoft.com/office/drawing/2014/main" val="567274282"/>
-                    </a:ext>
-                  </a:extLst>
-                </a:gridCol>
-                <a:gridCol w="4602384">
-                  <a:extLst>
-                    <a:ext uri="{9D8B030D-6E8A-4147-A177-3AD203B41FA5}">
-                      <a16:colId xmlns:a16="http://schemas.microsoft.com/office/drawing/2014/main" val="4240577183"/>
-                    </a:ext>
-                  </a:extLst>
-                </a:gridCol>
-                <a:gridCol w="784040">
-                  <a:extLst>
-                    <a:ext uri="{9D8B030D-6E8A-4147-A177-3AD203B41FA5}">
-                      <a16:colId xmlns:a16="http://schemas.microsoft.com/office/drawing/2014/main" val="3110937553"/>
-                    </a:ext>
-                  </a:extLst>
-                </a:gridCol>
-              </a:tblGrid>
-              <a:tr h="342724">
-                <a:tc>
-                  <a:txBody>
-                    <a:bodyPr/>
-                    <a:lstStyle/>
-                    <a:p>
-                      <a:pPr latinLnBrk="1"/>
-                      <a:r>
-                        <a:rPr lang="ko-KR" altLang="en-US" dirty="0"/>
-                        <a:t>주차</a:t>
-                      </a:r>
-                    </a:p>
-                  </a:txBody>
-                  <a:tcPr/>
-                </a:tc>
-                <a:tc>
-                  <a:txBody>
-                    <a:bodyPr/>
-                    <a:lstStyle/>
-                    <a:p>
-                      <a:pPr latinLnBrk="1"/>
-                      <a:r>
-                        <a:rPr lang="ko-KR" altLang="en-US" dirty="0"/>
-                        <a:t>계획</a:t>
-                      </a:r>
-                    </a:p>
-                  </a:txBody>
-                  <a:tcPr/>
-                </a:tc>
-                <a:tc>
-                  <a:txBody>
-                    <a:bodyPr/>
-                    <a:lstStyle/>
-                    <a:p>
-                      <a:pPr latinLnBrk="1"/>
-                      <a:r>
-                        <a:rPr lang="ko-KR" altLang="en-US" dirty="0"/>
-                        <a:t>세부 계획</a:t>
-                      </a:r>
-                    </a:p>
-                  </a:txBody>
-                  <a:tcPr/>
-                </a:tc>
-                <a:tc>
-                  <a:txBody>
-                    <a:bodyPr/>
-                    <a:lstStyle/>
-                    <a:p>
-                      <a:pPr latinLnBrk="1"/>
-                      <a:r>
-                        <a:rPr lang="ko-KR" altLang="en-US" dirty="0"/>
-                        <a:t>시행</a:t>
-                      </a:r>
-                    </a:p>
-                  </a:txBody>
-                  <a:tcPr/>
-                </a:tc>
-                <a:extLst>
-                  <a:ext uri="{0D108BD9-81ED-4DB2-BD59-A6C34878D82A}">
-                    <a16:rowId xmlns:a16="http://schemas.microsoft.com/office/drawing/2014/main" val="1771836580"/>
-                  </a:ext>
-                </a:extLst>
-              </a:tr>
-              <a:tr h="542646">
-                <a:tc>
-                  <a:txBody>
-                    <a:bodyPr/>
-                    <a:lstStyle/>
-                    <a:p>
-                      <a:pPr latinLnBrk="1"/>
-                      <a:r>
-                        <a:rPr lang="en-US" altLang="ko-KR" sz="1600" b="1" dirty="0"/>
-                        <a:t>1</a:t>
-                      </a:r>
-                      <a:r>
-                        <a:rPr lang="ko-KR" altLang="en-US" sz="1600" b="1" dirty="0"/>
-                        <a:t>주 </a:t>
-                      </a:r>
-                      <a:r>
-                        <a:rPr lang="en-US" altLang="ko-KR" sz="1600" b="1" dirty="0"/>
-                        <a:t>(4.27~5.3)</a:t>
-                      </a:r>
-                      <a:endParaRPr lang="ko-KR" altLang="en-US" sz="1600" b="1" dirty="0"/>
-                    </a:p>
-                  </a:txBody>
-                  <a:tcPr/>
-                </a:tc>
-                <a:tc>
-                  <a:txBody>
-                    <a:bodyPr/>
-                    <a:lstStyle/>
-                    <a:p>
-                      <a:pPr latinLnBrk="1"/>
-                      <a:r>
-                        <a:rPr lang="ko-KR" altLang="en-US" sz="1600" b="1" dirty="0" err="1"/>
-                        <a:t>파이썬</a:t>
-                      </a:r>
-                      <a:r>
-                        <a:rPr lang="ko-KR" altLang="en-US" sz="1600" b="1" dirty="0"/>
-                        <a:t> 모듈</a:t>
-                      </a:r>
-                      <a:r>
-                        <a:rPr lang="en-US" altLang="ko-KR" sz="1600" b="1" dirty="0"/>
-                        <a:t>, </a:t>
-                      </a:r>
-                      <a:r>
-                        <a:rPr lang="en-US" altLang="ko-KR" sz="1600" b="1" dirty="0" err="1"/>
-                        <a:t>OpenAPI</a:t>
-                      </a:r>
-                      <a:r>
-                        <a:rPr lang="en-US" altLang="ko-KR" sz="1600" b="1" dirty="0"/>
-                        <a:t> </a:t>
-                      </a:r>
-                      <a:r>
-                        <a:rPr lang="ko-KR" altLang="en-US" sz="1600" b="1" dirty="0"/>
-                        <a:t>조사</a:t>
-                      </a:r>
-                      <a:r>
-                        <a:rPr lang="en-US" altLang="ko-KR" sz="1600" b="1" dirty="0"/>
-                        <a:t>,</a:t>
-                      </a:r>
-                    </a:p>
-                    <a:p>
-                      <a:pPr latinLnBrk="1"/>
-                      <a:r>
-                        <a:rPr lang="ko-KR" altLang="en-US" sz="1600" b="1" dirty="0"/>
-                        <a:t>주제 선정</a:t>
-                      </a:r>
-                    </a:p>
-                  </a:txBody>
-                  <a:tcPr/>
-                </a:tc>
-                <a:tc>
-                  <a:txBody>
-                    <a:bodyPr/>
-                    <a:lstStyle/>
-                    <a:p>
-                      <a:pPr latinLnBrk="1"/>
-                      <a:r>
-                        <a:rPr lang="en-US" altLang="ko-KR" sz="1600" b="1" dirty="0"/>
-                        <a:t>Xml </a:t>
-                      </a:r>
-                      <a:r>
-                        <a:rPr lang="ko-KR" altLang="en-US" sz="1600" b="1" dirty="0"/>
-                        <a:t>모듈 조사 </a:t>
-                      </a:r>
-                      <a:endParaRPr lang="en-US" altLang="ko-KR" sz="1600" b="1" dirty="0"/>
-                    </a:p>
-                    <a:p>
-                      <a:pPr latinLnBrk="1"/>
-                      <a:r>
-                        <a:rPr lang="ko-KR" altLang="en-US" sz="1600" b="1" dirty="0"/>
-                        <a:t>사용가능 </a:t>
-                      </a:r>
-                      <a:r>
-                        <a:rPr lang="en-US" altLang="ko-KR" sz="1600" b="1" dirty="0"/>
-                        <a:t>API </a:t>
-                      </a:r>
-                      <a:r>
-                        <a:rPr lang="ko-KR" altLang="en-US" sz="1600" b="1" dirty="0"/>
-                        <a:t>찾기 및 가용한 주제 선정</a:t>
-                      </a:r>
-                    </a:p>
-                  </a:txBody>
-                  <a:tcPr/>
-                </a:tc>
-                <a:tc>
-                  <a:txBody>
-                    <a:bodyPr/>
-                    <a:lstStyle/>
-                    <a:p>
-                      <a:pPr latinLnBrk="1"/>
-                      <a:endParaRPr lang="ko-KR" altLang="en-US" sz="1600" dirty="0"/>
-                    </a:p>
-                  </a:txBody>
-                  <a:tcPr/>
-                </a:tc>
-                <a:extLst>
-                  <a:ext uri="{0D108BD9-81ED-4DB2-BD59-A6C34878D82A}">
-                    <a16:rowId xmlns:a16="http://schemas.microsoft.com/office/drawing/2014/main" val="1066783592"/>
-                  </a:ext>
-                </a:extLst>
-              </a:tr>
-              <a:tr h="542646">
-                <a:tc>
-                  <a:txBody>
-                    <a:bodyPr/>
-                    <a:lstStyle/>
-                    <a:p>
-                      <a:pPr latinLnBrk="1"/>
-                      <a:r>
-                        <a:rPr lang="en-US" altLang="ko-KR" sz="1600" b="1" dirty="0"/>
-                        <a:t>2</a:t>
-                      </a:r>
-                      <a:r>
-                        <a:rPr lang="ko-KR" altLang="en-US" sz="1600" b="1" dirty="0"/>
-                        <a:t>주</a:t>
-                      </a:r>
-                      <a:endParaRPr lang="en-US" altLang="ko-KR" sz="1600" b="1" dirty="0"/>
-                    </a:p>
-                    <a:p>
-                      <a:pPr latinLnBrk="1"/>
-                      <a:r>
-                        <a:rPr lang="en-US" altLang="ko-KR" sz="1600" b="1" dirty="0"/>
-                        <a:t>(5.4~5.10)</a:t>
-                      </a:r>
-                      <a:endParaRPr lang="ko-KR" altLang="en-US" sz="1600" b="1" dirty="0"/>
-                    </a:p>
-                  </a:txBody>
-                  <a:tcPr/>
-                </a:tc>
-                <a:tc>
-                  <a:txBody>
-                    <a:bodyPr/>
-                    <a:lstStyle/>
-                    <a:p>
-                      <a:pPr latinLnBrk="1"/>
-                      <a:r>
-                        <a:rPr lang="ko-KR" altLang="en-US" sz="1600" b="1" dirty="0"/>
-                        <a:t>프로그램 기능 설정</a:t>
-                      </a:r>
-                      <a:r>
-                        <a:rPr lang="en-US" altLang="ko-KR" sz="1600" b="1" dirty="0"/>
-                        <a:t>,</a:t>
-                      </a:r>
-                    </a:p>
-                    <a:p>
-                      <a:pPr latinLnBrk="1"/>
-                      <a:r>
-                        <a:rPr lang="en-US" altLang="ko-KR" sz="1600" b="1" dirty="0" err="1"/>
-                        <a:t>OpenAPI</a:t>
-                      </a:r>
-                      <a:r>
-                        <a:rPr lang="en-US" altLang="ko-KR" sz="1600" b="1" dirty="0"/>
-                        <a:t> </a:t>
-                      </a:r>
-                      <a:r>
-                        <a:rPr lang="ko-KR" altLang="en-US" sz="1600" b="1" dirty="0"/>
-                        <a:t>연동 확인</a:t>
-                      </a:r>
-                    </a:p>
-                  </a:txBody>
-                  <a:tcPr/>
-                </a:tc>
-                <a:tc>
-                  <a:txBody>
-                    <a:bodyPr/>
-                    <a:lstStyle/>
-                    <a:p>
-                      <a:pPr latinLnBrk="1"/>
-                      <a:r>
-                        <a:rPr lang="en-US" altLang="ko-KR" sz="1600" b="1" dirty="0" err="1"/>
-                        <a:t>OpenAPI</a:t>
-                      </a:r>
-                      <a:r>
-                        <a:rPr lang="ko-KR" altLang="en-US" sz="1600" b="1" dirty="0"/>
-                        <a:t>를 통해 들어온 데이터 분석</a:t>
-                      </a:r>
-                      <a:endParaRPr lang="en-US" altLang="ko-KR" sz="1600" b="1" dirty="0"/>
-                    </a:p>
-                    <a:p>
-                      <a:pPr latinLnBrk="1"/>
-                      <a:r>
-                        <a:rPr lang="en-US" altLang="ko-KR" sz="1600" b="1" dirty="0"/>
-                        <a:t>Xml </a:t>
-                      </a:r>
-                      <a:r>
-                        <a:rPr lang="ko-KR" altLang="en-US" sz="1600" b="1" dirty="0"/>
-                        <a:t>모듈 활용</a:t>
-                      </a:r>
-                      <a:endParaRPr lang="en-US" altLang="ko-KR" sz="1600" b="1" dirty="0"/>
-                    </a:p>
-                  </a:txBody>
-                  <a:tcPr/>
-                </a:tc>
-                <a:tc>
-                  <a:txBody>
-                    <a:bodyPr/>
-                    <a:lstStyle/>
-                    <a:p>
-                      <a:pPr latinLnBrk="1"/>
-                      <a:endParaRPr lang="ko-KR" altLang="en-US" sz="1600" dirty="0"/>
-                    </a:p>
-                  </a:txBody>
-                  <a:tcPr/>
-                </a:tc>
-                <a:extLst>
-                  <a:ext uri="{0D108BD9-81ED-4DB2-BD59-A6C34878D82A}">
-                    <a16:rowId xmlns:a16="http://schemas.microsoft.com/office/drawing/2014/main" val="3181699754"/>
-                  </a:ext>
-                </a:extLst>
-              </a:tr>
-              <a:tr h="542646">
-                <a:tc>
-                  <a:txBody>
-                    <a:bodyPr/>
-                    <a:lstStyle/>
-                    <a:p>
-                      <a:pPr latinLnBrk="1"/>
-                      <a:r>
-                        <a:rPr lang="en-US" altLang="ko-KR" sz="1600" b="1" dirty="0"/>
-                        <a:t>3</a:t>
-                      </a:r>
-                      <a:r>
-                        <a:rPr lang="ko-KR" altLang="en-US" sz="1600" b="1" dirty="0"/>
-                        <a:t>주</a:t>
-                      </a:r>
-                      <a:endParaRPr lang="en-US" altLang="ko-KR" sz="1600" b="1" dirty="0"/>
-                    </a:p>
-                    <a:p>
-                      <a:pPr latinLnBrk="1"/>
-                      <a:r>
-                        <a:rPr lang="en-US" altLang="ko-KR" sz="1600" b="1" dirty="0"/>
-                        <a:t>(5.11~5.17)</a:t>
-                      </a:r>
-                      <a:endParaRPr lang="ko-KR" altLang="en-US" sz="1600" b="1" dirty="0"/>
-                    </a:p>
-                  </a:txBody>
-                  <a:tcPr/>
-                </a:tc>
-                <a:tc>
-                  <a:txBody>
-                    <a:bodyPr/>
-                    <a:lstStyle/>
-                    <a:p>
-                      <a:pPr latinLnBrk="1"/>
-                      <a:r>
-                        <a:rPr lang="ko-KR" altLang="en-US" sz="1600" b="1" dirty="0">
-                          <a:solidFill>
-                            <a:srgbClr val="FF0000"/>
-                          </a:solidFill>
-                        </a:rPr>
-                        <a:t>기획발표 </a:t>
-                      </a:r>
-                      <a:r>
-                        <a:rPr lang="en-US" altLang="ko-KR" sz="1600" b="1" dirty="0">
-                          <a:solidFill>
-                            <a:srgbClr val="FF0000"/>
-                          </a:solidFill>
-                        </a:rPr>
-                        <a:t>5/17</a:t>
-                      </a:r>
-                      <a:r>
-                        <a:rPr lang="en-US" altLang="ko-KR" sz="1600" b="1" dirty="0"/>
-                        <a:t>,</a:t>
-                      </a:r>
-                      <a:r>
-                        <a:rPr lang="en-US" altLang="ko-KR" sz="1600" b="1" baseline="0" dirty="0"/>
-                        <a:t> </a:t>
-                      </a:r>
-                    </a:p>
-                    <a:p>
-                      <a:pPr latinLnBrk="1"/>
-                      <a:r>
-                        <a:rPr lang="ko-KR" altLang="en-US" sz="1600" b="1" dirty="0"/>
-                        <a:t>프로그램 틀 개발</a:t>
-                      </a:r>
-                    </a:p>
-                  </a:txBody>
-                  <a:tcPr/>
-                </a:tc>
-                <a:tc>
-                  <a:txBody>
-                    <a:bodyPr/>
-                    <a:lstStyle/>
-                    <a:p>
-                      <a:pPr latinLnBrk="1"/>
-                      <a:r>
-                        <a:rPr lang="ko-KR" altLang="en-US" sz="1600" b="1" dirty="0"/>
-                        <a:t>발표자료 작성</a:t>
-                      </a:r>
-                      <a:endParaRPr lang="en-US" altLang="ko-KR" sz="1600" b="1" dirty="0"/>
-                    </a:p>
-                    <a:p>
-                      <a:pPr latinLnBrk="1"/>
-                      <a:r>
-                        <a:rPr lang="ko-KR" altLang="en-US" sz="1600" b="1" dirty="0"/>
-                        <a:t>필요한 사용자 모듈 및 함수 작성</a:t>
-                      </a:r>
-                    </a:p>
-                  </a:txBody>
-                  <a:tcPr/>
-                </a:tc>
-                <a:tc>
-                  <a:txBody>
-                    <a:bodyPr/>
-                    <a:lstStyle/>
-                    <a:p>
-                      <a:pPr latinLnBrk="1"/>
-                      <a:endParaRPr lang="ko-KR" altLang="en-US" sz="1600" dirty="0"/>
-                    </a:p>
-                  </a:txBody>
-                  <a:tcPr/>
-                </a:tc>
-                <a:extLst>
-                  <a:ext uri="{0D108BD9-81ED-4DB2-BD59-A6C34878D82A}">
-                    <a16:rowId xmlns:a16="http://schemas.microsoft.com/office/drawing/2014/main" val="3969082127"/>
-                  </a:ext>
-                </a:extLst>
-              </a:tr>
-              <a:tr h="542646">
-                <a:tc>
-                  <a:txBody>
-                    <a:bodyPr/>
-                    <a:lstStyle/>
-                    <a:p>
-                      <a:pPr latinLnBrk="1"/>
-                      <a:r>
-                        <a:rPr lang="en-US" altLang="ko-KR" sz="1600" b="1" dirty="0"/>
-                        <a:t>4</a:t>
-                      </a:r>
-                      <a:r>
-                        <a:rPr lang="ko-KR" altLang="en-US" sz="1600" b="1" dirty="0"/>
-                        <a:t>주</a:t>
-                      </a:r>
-                      <a:endParaRPr lang="en-US" altLang="ko-KR" sz="1600" b="1" dirty="0"/>
-                    </a:p>
-                    <a:p>
-                      <a:pPr latinLnBrk="1"/>
-                      <a:r>
-                        <a:rPr lang="en-US" altLang="ko-KR" sz="1600" b="1" dirty="0"/>
-                        <a:t>(5.18~5.24)</a:t>
-                      </a:r>
-                      <a:endParaRPr lang="ko-KR" altLang="en-US" sz="1600" b="1" dirty="0"/>
-                    </a:p>
-                  </a:txBody>
-                  <a:tcPr/>
-                </a:tc>
-                <a:tc>
-                  <a:txBody>
-                    <a:bodyPr/>
-                    <a:lstStyle/>
-                    <a:p>
-                      <a:pPr latinLnBrk="1"/>
-                      <a:r>
-                        <a:rPr lang="ko-KR" altLang="en-US" sz="1600" b="1" baseline="0" dirty="0"/>
-                        <a:t>검색</a:t>
-                      </a:r>
-                      <a:r>
-                        <a:rPr lang="en-US" altLang="ko-KR" sz="1600" b="1" baseline="0" dirty="0"/>
-                        <a:t>, </a:t>
-                      </a:r>
-                      <a:r>
-                        <a:rPr lang="ko-KR" altLang="en-US" sz="1600" b="1" baseline="0" dirty="0"/>
-                        <a:t>정보출력</a:t>
-                      </a:r>
-                      <a:r>
-                        <a:rPr lang="en-US" altLang="ko-KR" sz="1600" b="1" baseline="0" dirty="0"/>
-                        <a:t>, </a:t>
-                      </a:r>
-                      <a:r>
-                        <a:rPr lang="ko-KR" altLang="en-US" sz="1600" b="1" baseline="0" dirty="0"/>
-                        <a:t>홈페이지 접속</a:t>
-                      </a:r>
-                      <a:r>
-                        <a:rPr lang="en-US" altLang="ko-KR" sz="1600" b="1" baseline="0" dirty="0"/>
-                        <a:t>,</a:t>
-                      </a:r>
-                      <a:r>
-                        <a:rPr lang="ko-KR" altLang="en-US" sz="1600" b="1" baseline="0" dirty="0"/>
-                        <a:t> </a:t>
-                      </a:r>
-                      <a:endParaRPr lang="en-US" altLang="ko-KR" sz="1600" b="1" baseline="0" dirty="0"/>
-                    </a:p>
-                    <a:p>
-                      <a:pPr latinLnBrk="1"/>
-                      <a:r>
-                        <a:rPr lang="ko-KR" altLang="en-US" sz="1600" b="1" baseline="0" dirty="0"/>
-                        <a:t>지도 기능 구현</a:t>
-                      </a:r>
-                      <a:endParaRPr lang="en-US" altLang="ko-KR" sz="1600" b="1" baseline="0" dirty="0"/>
-                    </a:p>
-                  </a:txBody>
-                  <a:tcPr/>
-                </a:tc>
-                <a:tc>
-                  <a:txBody>
-                    <a:bodyPr/>
-                    <a:lstStyle/>
-                    <a:p>
-                      <a:pPr marL="0" marR="0" indent="0" algn="l" defTabSz="914400" rtl="0" eaLnBrk="1" fontAlgn="auto" latinLnBrk="1" hangingPunct="1">
-                        <a:lnSpc>
-                          <a:spcPct val="100000"/>
-                        </a:lnSpc>
-                        <a:spcBef>
-                          <a:spcPts val="0"/>
-                        </a:spcBef>
-                        <a:spcAft>
-                          <a:spcPts val="0"/>
-                        </a:spcAft>
-                        <a:buClrTx/>
-                        <a:buSzTx/>
-                        <a:buFontTx/>
-                        <a:buNone/>
-                        <a:tabLst/>
-                        <a:defRPr/>
-                      </a:pPr>
-                      <a:r>
-                        <a:rPr lang="ko-KR" altLang="en-US" sz="1600" b="1" dirty="0"/>
-                        <a:t>병원 검색</a:t>
-                      </a:r>
-                      <a:r>
-                        <a:rPr lang="en-US" altLang="ko-KR" sz="1600" b="1" dirty="0"/>
-                        <a:t>, </a:t>
-                      </a:r>
-                      <a:r>
-                        <a:rPr lang="ko-KR" altLang="en-US" sz="1600" b="1" dirty="0"/>
-                        <a:t>병원 필터링 기능</a:t>
-                      </a:r>
-                      <a:r>
-                        <a:rPr lang="en-US" altLang="ko-KR" sz="1600" b="1" dirty="0"/>
-                        <a:t>, </a:t>
-                      </a:r>
-                      <a:r>
-                        <a:rPr lang="ko-KR" altLang="en-US" sz="1600" b="1" dirty="0"/>
-                        <a:t>데이터 출력 기능</a:t>
-                      </a:r>
-                      <a:endParaRPr lang="en-US" altLang="ko-KR" sz="1600" b="1" dirty="0"/>
-                    </a:p>
-                    <a:p>
-                      <a:pPr marL="0" marR="0" indent="0" algn="l" defTabSz="914400" rtl="0" eaLnBrk="1" fontAlgn="auto" latinLnBrk="1" hangingPunct="1">
-                        <a:lnSpc>
-                          <a:spcPct val="100000"/>
-                        </a:lnSpc>
-                        <a:spcBef>
-                          <a:spcPts val="0"/>
-                        </a:spcBef>
-                        <a:spcAft>
-                          <a:spcPts val="0"/>
-                        </a:spcAft>
-                        <a:buClrTx/>
-                        <a:buSzTx/>
-                        <a:buFontTx/>
-                        <a:buNone/>
-                        <a:tabLst/>
-                        <a:defRPr/>
-                      </a:pPr>
-                      <a:r>
-                        <a:rPr lang="en-US" altLang="ko-KR" sz="1600" b="1" dirty="0" err="1"/>
-                        <a:t>Url</a:t>
-                      </a:r>
-                      <a:r>
-                        <a:rPr lang="ko-KR" altLang="en-US" sz="1600" b="1" dirty="0"/>
-                        <a:t>접속</a:t>
-                      </a:r>
-                      <a:r>
-                        <a:rPr lang="en-US" altLang="ko-KR" sz="1600" b="1" dirty="0"/>
-                        <a:t>, </a:t>
-                      </a:r>
-                      <a:r>
-                        <a:rPr lang="en-US" altLang="ko-KR" sz="1600" b="1" dirty="0" err="1"/>
-                        <a:t>GoogleMaps</a:t>
-                      </a:r>
-                      <a:r>
-                        <a:rPr lang="en-US" altLang="ko-KR" sz="1600" b="1" dirty="0"/>
-                        <a:t> API </a:t>
-                      </a:r>
-                      <a:r>
-                        <a:rPr lang="ko-KR" altLang="en-US" sz="1600" b="1" dirty="0"/>
-                        <a:t>연동</a:t>
-                      </a:r>
-                    </a:p>
-                  </a:txBody>
-                  <a:tcPr/>
-                </a:tc>
-                <a:tc>
-                  <a:txBody>
-                    <a:bodyPr/>
-                    <a:lstStyle/>
-                    <a:p>
-                      <a:pPr latinLnBrk="1"/>
-                      <a:endParaRPr lang="ko-KR" altLang="en-US" sz="1600" dirty="0"/>
-                    </a:p>
-                  </a:txBody>
-                  <a:tcPr/>
-                </a:tc>
-                <a:extLst>
-                  <a:ext uri="{0D108BD9-81ED-4DB2-BD59-A6C34878D82A}">
-                    <a16:rowId xmlns:a16="http://schemas.microsoft.com/office/drawing/2014/main" val="3079507104"/>
-                  </a:ext>
-                </a:extLst>
-              </a:tr>
-              <a:tr h="542646">
-                <a:tc>
-                  <a:txBody>
-                    <a:bodyPr/>
-                    <a:lstStyle/>
-                    <a:p>
-                      <a:pPr latinLnBrk="1"/>
-                      <a:r>
-                        <a:rPr lang="en-US" altLang="ko-KR" sz="1600" b="1" dirty="0"/>
-                        <a:t>5</a:t>
-                      </a:r>
-                      <a:r>
-                        <a:rPr lang="ko-KR" altLang="en-US" sz="1600" b="1" dirty="0"/>
-                        <a:t>주</a:t>
-                      </a:r>
-                      <a:endParaRPr lang="en-US" altLang="ko-KR" sz="1600" b="1" dirty="0"/>
-                    </a:p>
-                    <a:p>
-                      <a:pPr latinLnBrk="1"/>
-                      <a:r>
-                        <a:rPr lang="en-US" altLang="ko-KR" sz="1600" b="1" dirty="0"/>
-                        <a:t>(5.25~5.31)</a:t>
-                      </a:r>
-                      <a:endParaRPr lang="ko-KR" altLang="en-US" sz="1600" b="1" dirty="0"/>
-                    </a:p>
-                  </a:txBody>
-                  <a:tcPr/>
-                </a:tc>
-                <a:tc>
-                  <a:txBody>
-                    <a:bodyPr/>
-                    <a:lstStyle/>
-                    <a:p>
-                      <a:pPr latinLnBrk="1"/>
-                      <a:r>
-                        <a:rPr lang="ko-KR" altLang="en-US" sz="1600" b="1" dirty="0" err="1">
-                          <a:solidFill>
-                            <a:srgbClr val="FF0000"/>
-                          </a:solidFill>
-                        </a:rPr>
-                        <a:t>중간시연</a:t>
-                      </a:r>
-                      <a:r>
-                        <a:rPr lang="ko-KR" altLang="en-US" sz="1600" b="1" dirty="0">
-                          <a:solidFill>
-                            <a:srgbClr val="FF0000"/>
-                          </a:solidFill>
-                        </a:rPr>
-                        <a:t> 발표 </a:t>
-                      </a:r>
-                      <a:r>
-                        <a:rPr lang="en-US" altLang="ko-KR" sz="1600" b="1" dirty="0">
-                          <a:solidFill>
-                            <a:srgbClr val="FF0000"/>
-                          </a:solidFill>
-                        </a:rPr>
-                        <a:t>5/31</a:t>
-                      </a:r>
-                    </a:p>
-                    <a:p>
-                      <a:pPr latinLnBrk="1"/>
-                      <a:r>
-                        <a:rPr lang="en-US" altLang="ko-KR" sz="1600" b="1" dirty="0" err="1"/>
-                        <a:t>tkinter</a:t>
-                      </a:r>
-                      <a:r>
-                        <a:rPr lang="en-US" altLang="ko-KR" sz="1600" b="1" dirty="0"/>
-                        <a:t> GUI </a:t>
-                      </a:r>
-                      <a:r>
-                        <a:rPr lang="ko-KR" altLang="en-US" sz="1600" b="1" dirty="0"/>
-                        <a:t>구현</a:t>
-                      </a:r>
-                      <a:r>
-                        <a:rPr lang="en-US" altLang="ko-KR" sz="1600" b="1" dirty="0"/>
-                        <a:t> </a:t>
-                      </a:r>
-                      <a:r>
-                        <a:rPr lang="en-US" altLang="ko-KR" sz="1600" b="1" dirty="0">
-                          <a:solidFill>
-                            <a:schemeClr val="tx1"/>
-                          </a:solidFill>
-                        </a:rPr>
-                        <a:t> </a:t>
-                      </a:r>
-                      <a:endParaRPr lang="ko-KR" altLang="en-US" sz="1600" b="1" dirty="0">
-                        <a:solidFill>
-                          <a:schemeClr val="tx1"/>
-                        </a:solidFill>
-                      </a:endParaRPr>
-                    </a:p>
-                  </a:txBody>
-                  <a:tcPr/>
-                </a:tc>
-                <a:tc>
-                  <a:txBody>
-                    <a:bodyPr/>
-                    <a:lstStyle/>
-                    <a:p>
-                      <a:pPr latinLnBrk="1"/>
-                      <a:r>
-                        <a:rPr lang="ko-KR" altLang="en-US" sz="1600" b="1" dirty="0"/>
-                        <a:t>발표자료 작성</a:t>
-                      </a:r>
-                      <a:endParaRPr lang="en-US" altLang="ko-KR" sz="1600" b="1" dirty="0"/>
-                    </a:p>
-                    <a:p>
-                      <a:pPr latinLnBrk="1"/>
-                      <a:r>
-                        <a:rPr lang="ko-KR" altLang="en-US" sz="1600" b="1" dirty="0"/>
-                        <a:t>프로그램 </a:t>
-                      </a:r>
-                      <a:r>
-                        <a:rPr lang="en-US" altLang="ko-KR" sz="1600" b="1" dirty="0" err="1"/>
-                        <a:t>tkinter</a:t>
-                      </a:r>
-                      <a:r>
-                        <a:rPr lang="ko-KR" altLang="en-US" sz="1600" b="1" dirty="0"/>
-                        <a:t>를 통해 출력</a:t>
-                      </a:r>
-                    </a:p>
-                  </a:txBody>
-                  <a:tcPr/>
-                </a:tc>
-                <a:tc>
-                  <a:txBody>
-                    <a:bodyPr/>
-                    <a:lstStyle/>
-                    <a:p>
-                      <a:pPr latinLnBrk="1"/>
-                      <a:endParaRPr lang="ko-KR" altLang="en-US" sz="1600" dirty="0"/>
-                    </a:p>
-                  </a:txBody>
-                  <a:tcPr/>
-                </a:tc>
-                <a:extLst>
-                  <a:ext uri="{0D108BD9-81ED-4DB2-BD59-A6C34878D82A}">
-                    <a16:rowId xmlns:a16="http://schemas.microsoft.com/office/drawing/2014/main" val="94333453"/>
-                  </a:ext>
-                </a:extLst>
-              </a:tr>
-              <a:tr h="542646">
-                <a:tc>
-                  <a:txBody>
-                    <a:bodyPr/>
-                    <a:lstStyle/>
-                    <a:p>
-                      <a:pPr latinLnBrk="1"/>
-                      <a:r>
-                        <a:rPr lang="en-US" altLang="ko-KR" sz="1600" b="1" dirty="0"/>
-                        <a:t>6</a:t>
-                      </a:r>
-                      <a:r>
-                        <a:rPr lang="ko-KR" altLang="en-US" sz="1600" b="1" dirty="0"/>
-                        <a:t>주</a:t>
-                      </a:r>
-                      <a:endParaRPr lang="en-US" altLang="ko-KR" sz="1600" b="1" dirty="0"/>
-                    </a:p>
-                    <a:p>
-                      <a:pPr latinLnBrk="1"/>
-                      <a:r>
-                        <a:rPr lang="en-US" altLang="ko-KR" sz="1600" b="1" dirty="0"/>
-                        <a:t>(6.1~6.7)</a:t>
-                      </a:r>
-                      <a:endParaRPr lang="ko-KR" altLang="en-US" sz="1600" b="1" dirty="0"/>
-                    </a:p>
-                  </a:txBody>
-                  <a:tcPr/>
-                </a:tc>
-                <a:tc>
-                  <a:txBody>
-                    <a:bodyPr/>
-                    <a:lstStyle/>
-                    <a:p>
-                      <a:pPr marL="0" marR="0" indent="0" algn="l" defTabSz="914400" rtl="0" eaLnBrk="1" fontAlgn="auto" latinLnBrk="1" hangingPunct="1">
-                        <a:lnSpc>
-                          <a:spcPct val="100000"/>
-                        </a:lnSpc>
-                        <a:spcBef>
-                          <a:spcPts val="0"/>
-                        </a:spcBef>
-                        <a:spcAft>
-                          <a:spcPts val="0"/>
-                        </a:spcAft>
-                        <a:buClrTx/>
-                        <a:buSzTx/>
-                        <a:buFontTx/>
-                        <a:buNone/>
-                        <a:tabLst/>
-                        <a:defRPr/>
-                      </a:pPr>
-                      <a:r>
-                        <a:rPr lang="ko-KR" altLang="en-US" sz="1600" b="1" dirty="0" err="1"/>
-                        <a:t>텔레그램봇</a:t>
-                      </a:r>
-                      <a:r>
-                        <a:rPr lang="ko-KR" altLang="en-US" sz="1600" b="1" dirty="0"/>
-                        <a:t> 구현</a:t>
-                      </a:r>
-                      <a:endParaRPr lang="en-US" altLang="ko-KR" sz="1600" b="1" dirty="0"/>
-                    </a:p>
-                  </a:txBody>
-                  <a:tcPr/>
-                </a:tc>
-                <a:tc>
-                  <a:txBody>
-                    <a:bodyPr/>
-                    <a:lstStyle/>
-                    <a:p>
-                      <a:pPr latinLnBrk="1"/>
-                      <a:r>
-                        <a:rPr lang="ko-KR" altLang="en-US" sz="1600" b="1" dirty="0" err="1"/>
-                        <a:t>텔레그램봇을</a:t>
-                      </a:r>
-                      <a:r>
-                        <a:rPr lang="ko-KR" altLang="en-US" sz="1600" b="1" dirty="0"/>
-                        <a:t> 통해 정보 출력 구현</a:t>
-                      </a:r>
-                    </a:p>
-                  </a:txBody>
-                  <a:tcPr/>
-                </a:tc>
-                <a:tc>
-                  <a:txBody>
-                    <a:bodyPr/>
-                    <a:lstStyle/>
-                    <a:p>
-                      <a:pPr latinLnBrk="1"/>
-                      <a:endParaRPr lang="ko-KR" altLang="en-US" sz="1600" dirty="0"/>
-                    </a:p>
-                  </a:txBody>
-                  <a:tcPr/>
-                </a:tc>
-                <a:extLst>
-                  <a:ext uri="{0D108BD9-81ED-4DB2-BD59-A6C34878D82A}">
-                    <a16:rowId xmlns:a16="http://schemas.microsoft.com/office/drawing/2014/main" val="3155219568"/>
-                  </a:ext>
-                </a:extLst>
-              </a:tr>
-              <a:tr h="542646">
-                <a:tc>
-                  <a:txBody>
-                    <a:bodyPr/>
-                    <a:lstStyle/>
-                    <a:p>
-                      <a:pPr latinLnBrk="1"/>
-                      <a:r>
-                        <a:rPr lang="en-US" altLang="ko-KR" sz="1600" b="1" dirty="0"/>
-                        <a:t>7</a:t>
-                      </a:r>
-                      <a:r>
-                        <a:rPr lang="ko-KR" altLang="en-US" sz="1600" b="1" dirty="0"/>
-                        <a:t>주</a:t>
-                      </a:r>
-                      <a:endParaRPr lang="en-US" altLang="ko-KR" sz="1600" b="1" dirty="0"/>
-                    </a:p>
-                    <a:p>
-                      <a:pPr latinLnBrk="1"/>
-                      <a:r>
-                        <a:rPr lang="en-US" altLang="ko-KR" sz="1600" b="1" dirty="0"/>
-                        <a:t>(6.8~6.14)</a:t>
-                      </a:r>
-                      <a:endParaRPr lang="ko-KR" altLang="en-US" sz="1600" b="1" dirty="0"/>
-                    </a:p>
-                  </a:txBody>
-                  <a:tcPr/>
-                </a:tc>
-                <a:tc>
-                  <a:txBody>
-                    <a:bodyPr/>
-                    <a:lstStyle/>
-                    <a:p>
-                      <a:pPr latinLnBrk="1"/>
-                      <a:r>
-                        <a:rPr lang="ko-KR" altLang="en-US" sz="1600" b="1" baseline="0" dirty="0"/>
-                        <a:t>북마크기능</a:t>
-                      </a:r>
-                      <a:r>
-                        <a:rPr lang="en-US" altLang="ko-KR" sz="1600" b="1" baseline="0" dirty="0"/>
-                        <a:t>, </a:t>
-                      </a:r>
-                      <a:r>
-                        <a:rPr lang="ko-KR" altLang="en-US" sz="1600" b="1" baseline="0" dirty="0"/>
-                        <a:t>메일 보내기 기능</a:t>
-                      </a:r>
-                      <a:endParaRPr lang="ko-KR" altLang="en-US" sz="1600" b="1" dirty="0"/>
-                    </a:p>
-                  </a:txBody>
-                  <a:tcPr/>
-                </a:tc>
-                <a:tc>
-                  <a:txBody>
-                    <a:bodyPr/>
-                    <a:lstStyle/>
-                    <a:p>
-                      <a:pPr latinLnBrk="1"/>
-                      <a:r>
-                        <a:rPr lang="ko-KR" altLang="en-US" sz="1600" b="1" dirty="0"/>
-                        <a:t>북마크기능</a:t>
-                      </a:r>
-                      <a:r>
-                        <a:rPr lang="en-US" altLang="ko-KR" sz="1600" b="1" dirty="0"/>
-                        <a:t>, </a:t>
-                      </a:r>
-                      <a:r>
-                        <a:rPr lang="ko-KR" altLang="en-US" sz="1600" b="1" dirty="0"/>
-                        <a:t>이메일 기능 등 추가 기능 구현</a:t>
-                      </a:r>
-                    </a:p>
-                  </a:txBody>
-                  <a:tcPr/>
-                </a:tc>
-                <a:tc>
-                  <a:txBody>
-                    <a:bodyPr/>
-                    <a:lstStyle/>
-                    <a:p>
-                      <a:pPr latinLnBrk="1"/>
-                      <a:endParaRPr lang="ko-KR" altLang="en-US" sz="1600" dirty="0"/>
-                    </a:p>
-                  </a:txBody>
-                  <a:tcPr/>
-                </a:tc>
-                <a:extLst>
-                  <a:ext uri="{0D108BD9-81ED-4DB2-BD59-A6C34878D82A}">
-                    <a16:rowId xmlns:a16="http://schemas.microsoft.com/office/drawing/2014/main" val="1083539043"/>
-                  </a:ext>
-                </a:extLst>
-              </a:tr>
-              <a:tr h="542646">
-                <a:tc>
-                  <a:txBody>
-                    <a:bodyPr/>
-                    <a:lstStyle/>
-                    <a:p>
-                      <a:pPr latinLnBrk="1"/>
-                      <a:r>
-                        <a:rPr lang="en-US" altLang="ko-KR" sz="1600" b="1" dirty="0"/>
-                        <a:t>8</a:t>
-                      </a:r>
-                      <a:r>
-                        <a:rPr lang="ko-KR" altLang="en-US" sz="1600" b="1" dirty="0"/>
-                        <a:t>주</a:t>
-                      </a:r>
-                      <a:endParaRPr lang="en-US" altLang="ko-KR" sz="1600" b="1" dirty="0"/>
-                    </a:p>
-                    <a:p>
-                      <a:pPr latinLnBrk="1"/>
-                      <a:r>
-                        <a:rPr lang="en-US" altLang="ko-KR" sz="1600" b="1" dirty="0"/>
-                        <a:t>(6.15~6.21)</a:t>
-                      </a:r>
-                      <a:endParaRPr lang="ko-KR" altLang="en-US" sz="1600" b="1" dirty="0"/>
-                    </a:p>
-                  </a:txBody>
-                  <a:tcPr/>
-                </a:tc>
-                <a:tc>
-                  <a:txBody>
-                    <a:bodyPr/>
-                    <a:lstStyle/>
-                    <a:p>
-                      <a:pPr marL="0" marR="0" indent="0" algn="l" defTabSz="914400" rtl="0" eaLnBrk="1" fontAlgn="auto" latinLnBrk="1" hangingPunct="1">
-                        <a:lnSpc>
-                          <a:spcPct val="100000"/>
-                        </a:lnSpc>
-                        <a:spcBef>
-                          <a:spcPts val="0"/>
-                        </a:spcBef>
-                        <a:spcAft>
-                          <a:spcPts val="0"/>
-                        </a:spcAft>
-                        <a:buClrTx/>
-                        <a:buSzTx/>
-                        <a:buFontTx/>
-                        <a:buNone/>
-                        <a:tabLst/>
-                        <a:defRPr/>
-                      </a:pPr>
-                      <a:r>
-                        <a:rPr lang="en-US" altLang="ko-KR" sz="1600" b="1" dirty="0"/>
-                        <a:t>C/C++</a:t>
-                      </a:r>
-                      <a:r>
-                        <a:rPr lang="ko-KR" altLang="en-US" sz="1600" b="1" dirty="0"/>
-                        <a:t>연동</a:t>
-                      </a:r>
-                      <a:r>
-                        <a:rPr lang="en-US" altLang="ko-KR" sz="1600" b="1" dirty="0"/>
-                        <a:t>, </a:t>
-                      </a:r>
-                      <a:r>
-                        <a:rPr lang="ko-KR" altLang="en-US" sz="1600" b="1" dirty="0"/>
-                        <a:t>배포파일 작성</a:t>
-                      </a:r>
-                      <a:endParaRPr lang="en-US" altLang="ko-KR" sz="1600" b="1" dirty="0"/>
-                    </a:p>
-                    <a:p>
-                      <a:pPr latinLnBrk="1"/>
-                      <a:r>
-                        <a:rPr lang="ko-KR" altLang="en-US" sz="1600" b="1" dirty="0">
-                          <a:solidFill>
-                            <a:srgbClr val="FF0000"/>
-                          </a:solidFill>
-                        </a:rPr>
-                        <a:t>최종구현 발표 </a:t>
-                      </a:r>
-                      <a:r>
-                        <a:rPr lang="en-US" altLang="ko-KR" sz="1600" b="1" dirty="0">
-                          <a:solidFill>
-                            <a:srgbClr val="FF0000"/>
-                          </a:solidFill>
-                        </a:rPr>
-                        <a:t>6/19</a:t>
-                      </a:r>
-                      <a:endParaRPr lang="ko-KR" altLang="en-US" sz="1600" b="1" dirty="0">
-                        <a:solidFill>
-                          <a:srgbClr val="FF0000"/>
-                        </a:solidFill>
-                      </a:endParaRPr>
-                    </a:p>
-                  </a:txBody>
-                  <a:tcPr/>
-                </a:tc>
-                <a:tc>
-                  <a:txBody>
-                    <a:bodyPr/>
-                    <a:lstStyle/>
-                    <a:p>
-                      <a:pPr latinLnBrk="1"/>
-                      <a:r>
-                        <a:rPr lang="ko-KR" altLang="en-US" sz="1600" b="1" dirty="0"/>
-                        <a:t>발표자료 작성</a:t>
-                      </a:r>
-                      <a:endParaRPr lang="en-US" altLang="ko-KR" sz="1600" b="1" dirty="0"/>
-                    </a:p>
-                    <a:p>
-                      <a:pPr latinLnBrk="1"/>
-                      <a:r>
-                        <a:rPr lang="en-US" altLang="ko-KR" sz="1600" b="1" dirty="0"/>
-                        <a:t>C/C++</a:t>
-                      </a:r>
-                      <a:r>
-                        <a:rPr lang="ko-KR" altLang="en-US" sz="1600" b="1" dirty="0"/>
-                        <a:t>연동</a:t>
-                      </a:r>
-                      <a:r>
-                        <a:rPr lang="en-US" altLang="ko-KR" sz="1600" b="1" dirty="0"/>
-                        <a:t>, </a:t>
-                      </a:r>
-                      <a:r>
-                        <a:rPr lang="en-US" altLang="ko-KR" sz="1600" b="1" dirty="0" err="1"/>
-                        <a:t>distutils</a:t>
-                      </a:r>
-                      <a:r>
-                        <a:rPr lang="en-US" altLang="ko-KR" sz="1600" b="1" baseline="0" dirty="0"/>
-                        <a:t> </a:t>
-                      </a:r>
-                      <a:r>
-                        <a:rPr lang="ko-KR" altLang="en-US" sz="1600" b="1" baseline="0" dirty="0"/>
-                        <a:t>모듈 활용 배포파일 작성</a:t>
-                      </a:r>
-                      <a:r>
-                        <a:rPr lang="en-US" altLang="ko-KR" sz="1600" b="1" baseline="0" dirty="0"/>
-                        <a:t> </a:t>
-                      </a:r>
-                      <a:endParaRPr lang="ko-KR" altLang="en-US" sz="1600" b="1" dirty="0"/>
-                    </a:p>
-                  </a:txBody>
-                  <a:tcPr/>
-                </a:tc>
-                <a:tc>
-                  <a:txBody>
-                    <a:bodyPr/>
-                    <a:lstStyle/>
-                    <a:p>
-                      <a:pPr latinLnBrk="1"/>
-                      <a:endParaRPr lang="ko-KR" altLang="en-US" sz="1600" dirty="0"/>
-                    </a:p>
-                  </a:txBody>
-                  <a:tcPr/>
-                </a:tc>
-                <a:extLst>
-                  <a:ext uri="{0D108BD9-81ED-4DB2-BD59-A6C34878D82A}">
-                    <a16:rowId xmlns:a16="http://schemas.microsoft.com/office/drawing/2014/main" val="746666000"/>
-                  </a:ext>
-                </a:extLst>
-              </a:tr>
-            </a:tbl>
-          </a:graphicData>
-        </a:graphic>
-      </p:graphicFrame>
-      <p:sp>
-        <p:nvSpPr>
-          <p:cNvPr id="20" name="타원 19">
-            <a:extLst>
-              <a:ext uri="{FF2B5EF4-FFF2-40B4-BE49-F238E27FC236}">
-                <a16:creationId xmlns:a16="http://schemas.microsoft.com/office/drawing/2014/main" id="{E732C69C-E6F9-4777-8E06-4277371F9DEA}"/>
-              </a:ext>
-            </a:extLst>
-          </p:cNvPr>
-          <p:cNvSpPr/>
-          <p:nvPr/>
-        </p:nvSpPr>
-        <p:spPr>
-          <a:xfrm>
-            <a:off x="10610094" y="1801787"/>
-            <a:ext cx="362701" cy="344005"/>
-          </a:xfrm>
-          <a:prstGeom prst="ellipse">
-            <a:avLst/>
-          </a:prstGeom>
-          <a:noFill/>
-          <a:ln>
-            <a:solidFill>
-              <a:srgbClr val="FF0000"/>
-            </a:solidFill>
-          </a:ln>
-        </p:spPr>
-        <p:style>
-          <a:lnRef idx="2">
-            <a:schemeClr val="accent1">
-              <a:shade val="50000"/>
-            </a:schemeClr>
-          </a:lnRef>
-          <a:fillRef idx="1">
-            <a:schemeClr val="accent1"/>
-          </a:fillRef>
-          <a:effectRef idx="0">
-            <a:schemeClr val="accent1"/>
-          </a:effectRef>
-          <a:fontRef idx="minor">
-            <a:schemeClr val="lt1"/>
-          </a:fontRef>
-        </p:style>
-        <p:txBody>
-          <a:bodyPr rtlCol="0" anchor="ctr"/>
-          <a:lstStyle/>
-          <a:p>
-            <a:pPr algn="ctr"/>
-            <a:endParaRPr lang="ko-KR" altLang="en-US"/>
-          </a:p>
-        </p:txBody>
-      </p:sp>
-      <p:sp>
-        <p:nvSpPr>
-          <p:cNvPr id="21" name="타원 20">
-            <a:extLst>
-              <a:ext uri="{FF2B5EF4-FFF2-40B4-BE49-F238E27FC236}">
-                <a16:creationId xmlns:a16="http://schemas.microsoft.com/office/drawing/2014/main" id="{E7935FEE-71BA-4B25-85D3-3E076559A18E}"/>
-              </a:ext>
-            </a:extLst>
-          </p:cNvPr>
-          <p:cNvSpPr/>
-          <p:nvPr/>
-        </p:nvSpPr>
-        <p:spPr>
-          <a:xfrm>
-            <a:off x="10610095" y="2986813"/>
-            <a:ext cx="362701" cy="344005"/>
-          </a:xfrm>
-          <a:prstGeom prst="ellipse">
-            <a:avLst/>
-          </a:prstGeom>
-          <a:noFill/>
-          <a:ln>
-            <a:solidFill>
-              <a:srgbClr val="FF0000"/>
-            </a:solidFill>
-          </a:ln>
-        </p:spPr>
-        <p:style>
-          <a:lnRef idx="2">
-            <a:schemeClr val="accent1">
-              <a:shade val="50000"/>
-            </a:schemeClr>
-          </a:lnRef>
-          <a:fillRef idx="1">
-            <a:schemeClr val="accent1"/>
-          </a:fillRef>
-          <a:effectRef idx="0">
-            <a:schemeClr val="accent1"/>
-          </a:effectRef>
-          <a:fontRef idx="minor">
-            <a:schemeClr val="lt1"/>
-          </a:fontRef>
-        </p:style>
-        <p:txBody>
-          <a:bodyPr rtlCol="0" anchor="ctr"/>
-          <a:lstStyle/>
-          <a:p>
-            <a:pPr algn="ctr"/>
-            <a:endParaRPr lang="ko-KR" altLang="en-US"/>
-          </a:p>
-        </p:txBody>
-      </p:sp>
-      <p:sp>
-        <p:nvSpPr>
-          <p:cNvPr id="22" name="타원 21">
-            <a:extLst>
-              <a:ext uri="{FF2B5EF4-FFF2-40B4-BE49-F238E27FC236}">
-                <a16:creationId xmlns:a16="http://schemas.microsoft.com/office/drawing/2014/main" id="{D44FCA00-8397-400F-B7E4-D359FFBCBD15}"/>
-              </a:ext>
-            </a:extLst>
-          </p:cNvPr>
-          <p:cNvSpPr/>
-          <p:nvPr/>
-        </p:nvSpPr>
-        <p:spPr>
-          <a:xfrm>
-            <a:off x="10610095" y="2394300"/>
-            <a:ext cx="362701" cy="344005"/>
-          </a:xfrm>
-          <a:prstGeom prst="ellipse">
-            <a:avLst/>
-          </a:prstGeom>
-          <a:noFill/>
-          <a:ln>
-            <a:solidFill>
-              <a:srgbClr val="FF0000"/>
-            </a:solidFill>
-          </a:ln>
-        </p:spPr>
-        <p:style>
-          <a:lnRef idx="2">
-            <a:schemeClr val="accent1">
-              <a:shade val="50000"/>
-            </a:schemeClr>
-          </a:lnRef>
-          <a:fillRef idx="1">
-            <a:schemeClr val="accent1"/>
-          </a:fillRef>
-          <a:effectRef idx="0">
-            <a:schemeClr val="accent1"/>
-          </a:effectRef>
-          <a:fontRef idx="minor">
-            <a:schemeClr val="lt1"/>
-          </a:fontRef>
-        </p:style>
-        <p:txBody>
-          <a:bodyPr rtlCol="0" anchor="ctr"/>
-          <a:lstStyle/>
-          <a:p>
-            <a:pPr algn="ctr"/>
-            <a:endParaRPr lang="ko-KR" altLang="en-US"/>
-          </a:p>
-        </p:txBody>
-      </p:sp>
-      <p:sp>
-        <p:nvSpPr>
-          <p:cNvPr id="13" name="타원 12">
-            <a:extLst>
-              <a:ext uri="{FF2B5EF4-FFF2-40B4-BE49-F238E27FC236}">
-                <a16:creationId xmlns:a16="http://schemas.microsoft.com/office/drawing/2014/main" id="{05907C02-D2BA-47B6-BC77-BB7AA4E8F3F4}"/>
-              </a:ext>
-            </a:extLst>
-          </p:cNvPr>
-          <p:cNvSpPr/>
-          <p:nvPr/>
-        </p:nvSpPr>
-        <p:spPr>
-          <a:xfrm>
-            <a:off x="10610093" y="3572399"/>
-            <a:ext cx="362701" cy="344005"/>
-          </a:xfrm>
-          <a:prstGeom prst="ellipse">
-            <a:avLst/>
-          </a:prstGeom>
-          <a:noFill/>
-          <a:ln>
-            <a:solidFill>
-              <a:srgbClr val="FF0000"/>
-            </a:solidFill>
-          </a:ln>
-        </p:spPr>
-        <p:style>
-          <a:lnRef idx="2">
-            <a:schemeClr val="accent1">
-              <a:shade val="50000"/>
-            </a:schemeClr>
-          </a:lnRef>
-          <a:fillRef idx="1">
-            <a:schemeClr val="accent1"/>
-          </a:fillRef>
-          <a:effectRef idx="0">
-            <a:schemeClr val="accent1"/>
-          </a:effectRef>
-          <a:fontRef idx="minor">
-            <a:schemeClr val="lt1"/>
-          </a:fontRef>
-        </p:style>
-        <p:txBody>
-          <a:bodyPr rtlCol="0" anchor="ctr"/>
-          <a:lstStyle/>
-          <a:p>
-            <a:pPr algn="ctr"/>
-            <a:endParaRPr lang="ko-KR" altLang="en-US"/>
-          </a:p>
-        </p:txBody>
-      </p:sp>
-      <p:sp>
-        <p:nvSpPr>
-          <p:cNvPr id="14" name="타원 13">
-            <a:extLst>
-              <a:ext uri="{FF2B5EF4-FFF2-40B4-BE49-F238E27FC236}">
-                <a16:creationId xmlns:a16="http://schemas.microsoft.com/office/drawing/2014/main" id="{430B8283-3628-458E-B661-6DCC6F6CB3B3}"/>
-              </a:ext>
-            </a:extLst>
-          </p:cNvPr>
-          <p:cNvSpPr/>
-          <p:nvPr/>
-        </p:nvSpPr>
-        <p:spPr>
-          <a:xfrm>
-            <a:off x="10610093" y="4164912"/>
-            <a:ext cx="362701" cy="344005"/>
-          </a:xfrm>
-          <a:prstGeom prst="ellipse">
-            <a:avLst/>
-          </a:prstGeom>
-          <a:noFill/>
-          <a:ln>
-            <a:solidFill>
-              <a:srgbClr val="FF0000"/>
-            </a:solidFill>
-          </a:ln>
-        </p:spPr>
-        <p:style>
-          <a:lnRef idx="2">
-            <a:schemeClr val="accent1">
-              <a:shade val="50000"/>
-            </a:schemeClr>
-          </a:lnRef>
-          <a:fillRef idx="1">
-            <a:schemeClr val="accent1"/>
-          </a:fillRef>
-          <a:effectRef idx="0">
-            <a:schemeClr val="accent1"/>
-          </a:effectRef>
-          <a:fontRef idx="minor">
-            <a:schemeClr val="lt1"/>
-          </a:fontRef>
-        </p:style>
-        <p:txBody>
-          <a:bodyPr rtlCol="0" anchor="ctr"/>
-          <a:lstStyle/>
-          <a:p>
-            <a:pPr algn="ctr"/>
-            <a:endParaRPr lang="ko-KR" altLang="en-US"/>
-          </a:p>
-        </p:txBody>
-      </p:sp>
-      <p:sp>
-        <p:nvSpPr>
-          <p:cNvPr id="15" name="TextBox 14">
-            <a:extLst>
-              <a:ext uri="{FF2B5EF4-FFF2-40B4-BE49-F238E27FC236}">
-                <a16:creationId xmlns:a16="http://schemas.microsoft.com/office/drawing/2014/main" id="{3448D89C-AD21-4C99-8FBA-5D81753A44BE}"/>
-              </a:ext>
-            </a:extLst>
-          </p:cNvPr>
-          <p:cNvSpPr txBox="1"/>
-          <p:nvPr/>
-        </p:nvSpPr>
-        <p:spPr>
-          <a:xfrm>
-            <a:off x="10889671" y="6546273"/>
-            <a:ext cx="1302329" cy="369332"/>
-          </a:xfrm>
-          <a:prstGeom prst="rect">
-            <a:avLst/>
-          </a:prstGeom>
-          <a:noFill/>
-        </p:spPr>
-        <p:txBody>
-          <a:bodyPr wrap="square" rtlCol="0">
-            <a:spAutoFit/>
-          </a:bodyPr>
-          <a:lstStyle/>
-          <a:p>
-            <a:pPr algn="ctr"/>
-            <a:r>
-              <a:rPr lang="en-US" altLang="ko-KR" b="1" dirty="0">
-                <a:solidFill>
-                  <a:schemeClr val="accent6"/>
-                </a:solidFill>
-              </a:rPr>
-              <a:t>-</a:t>
-            </a:r>
-            <a:r>
-              <a:rPr lang="en-US" altLang="ko-KR" b="1" dirty="0">
-                <a:solidFill>
-                  <a:schemeClr val="accent6"/>
-                </a:solidFill>
-                <a:latin typeface="함초롬돋움" panose="020B0604000101010101" pitchFamily="50" charset="-127"/>
-                <a:ea typeface="함초롬돋움" panose="020B0604000101010101" pitchFamily="50" charset="-127"/>
-                <a:cs typeface="함초롬돋움" panose="020B0604000101010101" pitchFamily="50" charset="-127"/>
-              </a:rPr>
-              <a:t> 05 / 09 </a:t>
-            </a:r>
-            <a:r>
-              <a:rPr lang="en-US" altLang="ko-KR" b="1" dirty="0">
-                <a:solidFill>
-                  <a:schemeClr val="accent6"/>
-                </a:solidFill>
-              </a:rPr>
-              <a:t>-</a:t>
-            </a:r>
-            <a:endParaRPr lang="ko-KR" altLang="en-US" b="1" dirty="0">
-              <a:solidFill>
-                <a:schemeClr val="accent6"/>
-              </a:solidFill>
-            </a:endParaRPr>
-          </a:p>
-        </p:txBody>
-      </p:sp>
-      <p:cxnSp>
-        <p:nvCxnSpPr>
-          <p:cNvPr id="10" name="직선 연결선 9">
-            <a:extLst>
-              <a:ext uri="{FF2B5EF4-FFF2-40B4-BE49-F238E27FC236}">
-                <a16:creationId xmlns:a16="http://schemas.microsoft.com/office/drawing/2014/main" id="{E7C1385D-C544-4C96-986F-27B08BFDFE4E}"/>
-              </a:ext>
-            </a:extLst>
-          </p:cNvPr>
-          <p:cNvCxnSpPr>
-            <a:cxnSpLocks/>
-          </p:cNvCxnSpPr>
-          <p:nvPr/>
-        </p:nvCxnSpPr>
-        <p:spPr>
-          <a:xfrm>
-            <a:off x="574089" y="3429000"/>
-            <a:ext cx="11043821" cy="0"/>
-          </a:xfrm>
-          <a:prstGeom prst="line">
-            <a:avLst/>
-          </a:prstGeom>
-          <a:ln w="38100">
-            <a:solidFill>
-              <a:srgbClr val="FF0000"/>
-            </a:solidFill>
-          </a:ln>
-        </p:spPr>
-        <p:style>
-          <a:lnRef idx="1">
-            <a:schemeClr val="accent1"/>
-          </a:lnRef>
-          <a:fillRef idx="0">
-            <a:schemeClr val="accent1"/>
-          </a:fillRef>
-          <a:effectRef idx="0">
-            <a:schemeClr val="accent1"/>
-          </a:effectRef>
-          <a:fontRef idx="minor">
-            <a:schemeClr val="tx1"/>
-          </a:fontRef>
-        </p:style>
-      </p:cxnSp>
-    </p:spTree>
-    <p:extLst>
-      <p:ext uri="{BB962C8B-B14F-4D97-AF65-F5344CB8AC3E}">
-        <p14:creationId xmlns:p14="http://schemas.microsoft.com/office/powerpoint/2010/main" val="1805122818"/>
-      </p:ext>
-    </p:extLst>
-  </p:cSld>
-  <p:clrMapOvr>
-    <a:masterClrMapping/>
-  </p:clrMapOvr>
-</p:sld>
-</file>
-
-<file path=ppt/slides/slide6.xml><?xml version="1.0" encoding="utf-8"?>
-<p:sld xmlns:a="http://schemas.openxmlformats.org/drawingml/2006/main" xmlns:r="http://schemas.openxmlformats.org/officeDocument/2006/relationships" xmlns:p="http://schemas.openxmlformats.org/presentationml/2006/main">
-  <p:cSld>
-    <p:spTree>
-      <p:nvGrpSpPr>
-        <p:cNvPr id="1" name=""/>
-        <p:cNvGrpSpPr/>
-        <p:nvPr/>
-      </p:nvGrpSpPr>
-      <p:grpSpPr>
-        <a:xfrm>
-          <a:off x="0" y="0"/>
-          <a:ext cx="0" cy="0"/>
-          <a:chOff x="0" y="0"/>
-          <a:chExt cx="0" cy="0"/>
-        </a:xfrm>
-      </p:grpSpPr>
-      <p:sp>
-        <p:nvSpPr>
-          <p:cNvPr id="4" name="사각형: 둥근 모서리 3">
-            <a:extLst>
-              <a:ext uri="{FF2B5EF4-FFF2-40B4-BE49-F238E27FC236}">
-                <a16:creationId xmlns:a16="http://schemas.microsoft.com/office/drawing/2014/main" id="{DA245EDD-63D0-432D-9893-87BD13ECFD44}"/>
-              </a:ext>
-            </a:extLst>
-          </p:cNvPr>
-          <p:cNvSpPr/>
-          <p:nvPr/>
-        </p:nvSpPr>
-        <p:spPr>
-          <a:xfrm>
-            <a:off x="200891" y="311727"/>
-            <a:ext cx="11790218" cy="6234546"/>
-          </a:xfrm>
-          <a:prstGeom prst="roundRect">
-            <a:avLst/>
-          </a:prstGeom>
           <a:noFill/>
           <a:ln w="127000">
             <a:solidFill>
@@ -7501,10 +5694,10 @@
       </p:grpSp>
       <p:grpSp>
         <p:nvGrpSpPr>
-          <p:cNvPr id="14" name="그룹 13">
-            <a:extLst>
-              <a:ext uri="{FF2B5EF4-FFF2-40B4-BE49-F238E27FC236}">
-                <a16:creationId xmlns:a16="http://schemas.microsoft.com/office/drawing/2014/main" id="{A2605389-2C54-4B00-9401-86369D1E078A}"/>
+          <p:cNvPr id="11" name="그룹 10">
+            <a:extLst>
+              <a:ext uri="{FF2B5EF4-FFF2-40B4-BE49-F238E27FC236}">
+                <a16:creationId xmlns:a16="http://schemas.microsoft.com/office/drawing/2014/main" id="{DA744187-EF46-423B-81CE-A0406BDA84C9}"/>
               </a:ext>
             </a:extLst>
           </p:cNvPr>
@@ -7513,10 +5706,10 @@
         </p:nvGrpSpPr>
         <p:grpSpPr>
           <a:xfrm>
-            <a:off x="2490952" y="1666389"/>
-            <a:ext cx="7692139" cy="4408082"/>
-            <a:chOff x="2883443" y="1599937"/>
-            <a:chExt cx="6901323" cy="4028036"/>
+            <a:off x="2884516" y="1528245"/>
+            <a:ext cx="6422968" cy="2217263"/>
+            <a:chOff x="2576240" y="1666388"/>
+            <a:chExt cx="7606851" cy="2473072"/>
           </a:xfrm>
         </p:grpSpPr>
         <p:grpSp>
@@ -7533,10 +5726,10 @@
           </p:nvGrpSpPr>
           <p:grpSpPr>
             <a:xfrm>
-              <a:off x="2959963" y="1599937"/>
-              <a:ext cx="6131656" cy="611493"/>
-              <a:chOff x="1859092" y="3701231"/>
-              <a:chExt cx="9668677" cy="888371"/>
+              <a:off x="2576240" y="1666388"/>
+              <a:ext cx="6834277" cy="669185"/>
+              <a:chOff x="1859092" y="3701233"/>
+              <a:chExt cx="9668677" cy="888369"/>
             </a:xfrm>
           </p:grpSpPr>
           <p:pic>
@@ -7589,7 +5782,7 @@
             </p:nvSpPr>
             <p:spPr>
               <a:xfrm>
-                <a:off x="3108927" y="3701231"/>
+                <a:off x="3108927" y="3701233"/>
                 <a:ext cx="8418842" cy="735452"/>
               </a:xfrm>
               <a:prstGeom prst="rect">
@@ -7629,8 +5822,8 @@
           </p:nvGrpSpPr>
           <p:grpSpPr>
             <a:xfrm>
-              <a:off x="2970471" y="2439689"/>
-              <a:ext cx="5889258" cy="590073"/>
+              <a:off x="2587952" y="2585372"/>
+              <a:ext cx="6564102" cy="645746"/>
               <a:chOff x="1695982" y="1989664"/>
               <a:chExt cx="9340234" cy="734915"/>
             </a:xfrm>
@@ -7725,8 +5918,8 @@
           </p:nvGrpSpPr>
           <p:grpSpPr>
             <a:xfrm>
-              <a:off x="2959963" y="3262920"/>
-              <a:ext cx="6824803" cy="596870"/>
+              <a:off x="2576240" y="3486275"/>
+              <a:ext cx="7606851" cy="653185"/>
               <a:chOff x="1718983" y="1922663"/>
               <a:chExt cx="9147515" cy="871077"/>
             </a:xfrm>
@@ -7807,6 +6000,91 @@
             </p:spPr>
           </p:pic>
         </p:grpSp>
+      </p:grpSp>
+      <p:sp>
+        <p:nvSpPr>
+          <p:cNvPr id="34" name="TextBox 33">
+            <a:extLst>
+              <a:ext uri="{FF2B5EF4-FFF2-40B4-BE49-F238E27FC236}">
+                <a16:creationId xmlns:a16="http://schemas.microsoft.com/office/drawing/2014/main" id="{36AE19D5-300B-4613-88C1-DC1DA9CA3B3E}"/>
+              </a:ext>
+            </a:extLst>
+          </p:cNvPr>
+          <p:cNvSpPr txBox="1"/>
+          <p:nvPr/>
+        </p:nvSpPr>
+        <p:spPr>
+          <a:xfrm>
+            <a:off x="10889671" y="6546273"/>
+            <a:ext cx="1302329" cy="369332"/>
+          </a:xfrm>
+          <a:prstGeom prst="rect">
+            <a:avLst/>
+          </a:prstGeom>
+          <a:noFill/>
+        </p:spPr>
+        <p:txBody>
+          <a:bodyPr wrap="square" rtlCol="0">
+            <a:spAutoFit/>
+          </a:bodyPr>
+          <a:lstStyle/>
+          <a:p>
+            <a:pPr algn="ctr"/>
+            <a:r>
+              <a:rPr lang="en-US" altLang="ko-KR" b="1" dirty="0">
+                <a:solidFill>
+                  <a:schemeClr val="accent6"/>
+                </a:solidFill>
+              </a:rPr>
+              <a:t>-</a:t>
+            </a:r>
+            <a:r>
+              <a:rPr lang="en-US" altLang="ko-KR" b="1" dirty="0">
+                <a:solidFill>
+                  <a:schemeClr val="accent6"/>
+                </a:solidFill>
+                <a:latin typeface="함초롬돋움" panose="020B0604000101010101" pitchFamily="50" charset="-127"/>
+                <a:ea typeface="함초롬돋움" panose="020B0604000101010101" pitchFamily="50" charset="-127"/>
+                <a:cs typeface="함초롬돋움" panose="020B0604000101010101" pitchFamily="50" charset="-127"/>
+              </a:rPr>
+              <a:t> 05 / 09 </a:t>
+            </a:r>
+            <a:r>
+              <a:rPr lang="en-US" altLang="ko-KR" b="1" dirty="0">
+                <a:solidFill>
+                  <a:schemeClr val="accent6"/>
+                </a:solidFill>
+              </a:rPr>
+              <a:t>-</a:t>
+            </a:r>
+            <a:endParaRPr lang="ko-KR" altLang="en-US" b="1" dirty="0">
+              <a:solidFill>
+                <a:schemeClr val="accent6"/>
+              </a:solidFill>
+            </a:endParaRPr>
+          </a:p>
+        </p:txBody>
+      </p:sp>
+      <p:grpSp>
+        <p:nvGrpSpPr>
+          <p:cNvPr id="16" name="그룹 15">
+            <a:extLst>
+              <a:ext uri="{FF2B5EF4-FFF2-40B4-BE49-F238E27FC236}">
+                <a16:creationId xmlns:a16="http://schemas.microsoft.com/office/drawing/2014/main" id="{6BAD1C2F-16F1-4ED7-8655-4F2BFCDE6C2D}"/>
+              </a:ext>
+            </a:extLst>
+          </p:cNvPr>
+          <p:cNvGrpSpPr/>
+          <p:nvPr/>
+        </p:nvGrpSpPr>
+        <p:grpSpPr>
+          <a:xfrm>
+            <a:off x="2763520" y="3872410"/>
+            <a:ext cx="6441440" cy="2313037"/>
+            <a:chOff x="2763520" y="3872410"/>
+            <a:chExt cx="6441440" cy="2313037"/>
+          </a:xfrm>
+        </p:grpSpPr>
         <p:grpSp>
           <p:nvGrpSpPr>
             <p:cNvPr id="28" name="그룹 27">
@@ -7821,8 +6099,8 @@
           </p:nvGrpSpPr>
           <p:grpSpPr>
             <a:xfrm>
-              <a:off x="2970471" y="4108413"/>
-              <a:ext cx="6506884" cy="546780"/>
+              <a:off x="2848535" y="4727422"/>
+              <a:ext cx="6356425" cy="524638"/>
               <a:chOff x="1185117" y="4045287"/>
               <a:chExt cx="9206412" cy="619551"/>
             </a:xfrm>
@@ -7933,8 +6211,8 @@
           </p:nvGrpSpPr>
           <p:grpSpPr>
             <a:xfrm>
-              <a:off x="2883443" y="4948587"/>
-              <a:ext cx="6593912" cy="679386"/>
+              <a:off x="2763520" y="5533573"/>
+              <a:ext cx="6441440" cy="651874"/>
               <a:chOff x="1059602" y="4962175"/>
               <a:chExt cx="6593912" cy="679386"/>
             </a:xfrm>
@@ -8047,71 +6325,119 @@
             </p:spPr>
           </p:pic>
         </p:grpSp>
+        <p:grpSp>
+          <p:nvGrpSpPr>
+            <p:cNvPr id="10" name="그룹 9">
+              <a:extLst>
+                <a:ext uri="{FF2B5EF4-FFF2-40B4-BE49-F238E27FC236}">
+                  <a16:creationId xmlns:a16="http://schemas.microsoft.com/office/drawing/2014/main" id="{D7AA13E2-AD11-4EFB-8E29-96DA7676E7C8}"/>
+                </a:ext>
+              </a:extLst>
+            </p:cNvPr>
+            <p:cNvGrpSpPr/>
+            <p:nvPr/>
+          </p:nvGrpSpPr>
+          <p:grpSpPr>
+            <a:xfrm>
+              <a:off x="2763520" y="3872410"/>
+              <a:ext cx="6000138" cy="697324"/>
+              <a:chOff x="2576240" y="929082"/>
+              <a:chExt cx="6845989" cy="768532"/>
+            </a:xfrm>
+          </p:grpSpPr>
+          <p:pic>
+            <p:nvPicPr>
+              <p:cNvPr id="3" name="그림 2" descr="클립아트이(가) 표시된 사진&#10;&#10;매우 높은 신뢰도로 생성된 설명">
+                <a:extLst>
+                  <a:ext uri="{FF2B5EF4-FFF2-40B4-BE49-F238E27FC236}">
+                    <a16:creationId xmlns:a16="http://schemas.microsoft.com/office/drawing/2014/main" id="{48E306B9-1BA9-4067-A890-41A94BCF71B9}"/>
+                  </a:ext>
+                </a:extLst>
+              </p:cNvPr>
+              <p:cNvPicPr>
+                <a:picLocks noChangeAspect="1"/>
+              </p:cNvPicPr>
+              <p:nvPr/>
+            </p:nvPicPr>
+            <p:blipFill>
+              <a:blip r:embed="rId8">
+                <a:extLst>
+                  <a:ext uri="{28A0092B-C50C-407E-A947-70E740481C1C}">
+                    <a14:useLocalDpi xmlns:a14="http://schemas.microsoft.com/office/drawing/2010/main" val="0"/>
+                  </a:ext>
+                </a:extLst>
+              </a:blip>
+              <a:stretch>
+                <a:fillRect/>
+              </a:stretch>
+            </p:blipFill>
+            <p:spPr>
+              <a:xfrm>
+                <a:off x="2576240" y="929082"/>
+                <a:ext cx="786442" cy="768532"/>
+              </a:xfrm>
+              <a:prstGeom prst="rect">
+                <a:avLst/>
+              </a:prstGeom>
+            </p:spPr>
+          </p:pic>
+          <p:sp>
+            <p:nvSpPr>
+              <p:cNvPr id="33" name="TextBox 32">
+                <a:extLst>
+                  <a:ext uri="{FF2B5EF4-FFF2-40B4-BE49-F238E27FC236}">
+                    <a16:creationId xmlns:a16="http://schemas.microsoft.com/office/drawing/2014/main" id="{046494EC-2ECB-4CCC-BC55-B87013B4972A}"/>
+                  </a:ext>
+                </a:extLst>
+              </p:cNvPr>
+              <p:cNvSpPr txBox="1"/>
+              <p:nvPr/>
+            </p:nvSpPr>
+            <p:spPr>
+              <a:xfrm>
+                <a:off x="3471394" y="1020644"/>
+                <a:ext cx="5950835" cy="610570"/>
+              </a:xfrm>
+              <a:prstGeom prst="rect">
+                <a:avLst/>
+              </a:prstGeom>
+              <a:noFill/>
+            </p:spPr>
+            <p:txBody>
+              <a:bodyPr wrap="square" rtlCol="0">
+                <a:spAutoFit/>
+              </a:bodyPr>
+              <a:lstStyle/>
+              <a:p>
+                <a:r>
+                  <a:rPr lang="ko-KR" altLang="en-US" sz="3000" b="1" dirty="0">
+                    <a:latin typeface="함초롬돋움" panose="020B0604000101010101" pitchFamily="50" charset="-127"/>
+                    <a:ea typeface="함초롬돋움" panose="020B0604000101010101" pitchFamily="50" charset="-127"/>
+                    <a:cs typeface="함초롬돋움" panose="020B0604000101010101" pitchFamily="50" charset="-127"/>
+                  </a:rPr>
+                  <a:t>  </a:t>
+                </a:r>
+                <a:r>
+                  <a:rPr lang="ko-KR" altLang="en-US" sz="3000" b="1" dirty="0" err="1">
+                    <a:latin typeface="함초롬돋움" panose="020B0604000101010101" pitchFamily="50" charset="-127"/>
+                    <a:ea typeface="함초롬돋움" panose="020B0604000101010101" pitchFamily="50" charset="-127"/>
+                    <a:cs typeface="함초롬돋움" panose="020B0604000101010101" pitchFamily="50" charset="-127"/>
+                  </a:rPr>
+                  <a:t>북마크</a:t>
+                </a:r>
+                <a:r>
+                  <a:rPr lang="ko-KR" altLang="en-US" sz="3000" b="1" dirty="0">
+                    <a:latin typeface="함초롬돋움" panose="020B0604000101010101" pitchFamily="50" charset="-127"/>
+                    <a:ea typeface="함초롬돋움" panose="020B0604000101010101" pitchFamily="50" charset="-127"/>
+                    <a:cs typeface="함초롬돋움" panose="020B0604000101010101" pitchFamily="50" charset="-127"/>
+                  </a:rPr>
+                  <a:t> 기능</a:t>
+                </a:r>
+              </a:p>
+            </p:txBody>
+          </p:sp>
+        </p:grpSp>
       </p:grpSp>
-      <p:sp>
-        <p:nvSpPr>
-          <p:cNvPr id="34" name="TextBox 33">
-            <a:extLst>
-              <a:ext uri="{FF2B5EF4-FFF2-40B4-BE49-F238E27FC236}">
-                <a16:creationId xmlns:a16="http://schemas.microsoft.com/office/drawing/2014/main" id="{36AE19D5-300B-4613-88C1-DC1DA9CA3B3E}"/>
-              </a:ext>
-            </a:extLst>
-          </p:cNvPr>
-          <p:cNvSpPr txBox="1"/>
-          <p:nvPr/>
-        </p:nvSpPr>
-        <p:spPr>
-          <a:xfrm>
-            <a:off x="10889671" y="6546273"/>
-            <a:ext cx="1302329" cy="369332"/>
-          </a:xfrm>
-          <a:prstGeom prst="rect">
-            <a:avLst/>
-          </a:prstGeom>
-          <a:noFill/>
-        </p:spPr>
-        <p:txBody>
-          <a:bodyPr wrap="square" rtlCol="0">
-            <a:spAutoFit/>
-          </a:bodyPr>
-          <a:lstStyle/>
-          <a:p>
-            <a:pPr algn="ctr"/>
-            <a:r>
-              <a:rPr lang="en-US" altLang="ko-KR" b="1" dirty="0">
-                <a:solidFill>
-                  <a:schemeClr val="accent6"/>
-                </a:solidFill>
-              </a:rPr>
-              <a:t>-</a:t>
-            </a:r>
-            <a:r>
-              <a:rPr lang="en-US" altLang="ko-KR" b="1" dirty="0">
-                <a:solidFill>
-                  <a:schemeClr val="accent6"/>
-                </a:solidFill>
-                <a:latin typeface="함초롬돋움" panose="020B0604000101010101" pitchFamily="50" charset="-127"/>
-                <a:ea typeface="함초롬돋움" panose="020B0604000101010101" pitchFamily="50" charset="-127"/>
-                <a:cs typeface="함초롬돋움" panose="020B0604000101010101" pitchFamily="50" charset="-127"/>
-              </a:rPr>
-              <a:t> 06 / 09 </a:t>
-            </a:r>
-            <a:r>
-              <a:rPr lang="en-US" altLang="ko-KR" b="1" dirty="0">
-                <a:solidFill>
-                  <a:schemeClr val="accent6"/>
-                </a:solidFill>
-              </a:rPr>
-              <a:t>-</a:t>
-            </a:r>
-            <a:endParaRPr lang="ko-KR" altLang="en-US" b="1" dirty="0">
-              <a:solidFill>
-                <a:schemeClr val="accent6"/>
-              </a:solidFill>
-            </a:endParaRPr>
-          </a:p>
-        </p:txBody>
-      </p:sp>
     </p:spTree>
     <p:extLst>
       <p:ext uri="{BB962C8B-B14F-4D97-AF65-F5344CB8AC3E}">
@@ -8125,7 +6451,7 @@
 </p:sld>
 </file>
 
-<file path=ppt/slides/slide7.xml><?xml version="1.0" encoding="utf-8"?>
+<file path=ppt/slides/slide6.xml><?xml version="1.0" encoding="utf-8"?>
 <p:sld xmlns:a="http://schemas.openxmlformats.org/drawingml/2006/main" xmlns:r="http://schemas.openxmlformats.org/officeDocument/2006/relationships" xmlns:p="http://schemas.openxmlformats.org/presentationml/2006/main">
   <p:cSld>
     <p:spTree>
@@ -8377,7 +6703,7 @@
         </p:grpSpPr>
         <p:pic>
           <p:nvPicPr>
-            <p:cNvPr id="13" name="그림 12" descr="스크린샷이(가) 표시된 사진&#10;&#10;매우 높은 신뢰도로 생성된 설명">
+            <p:cNvPr id="13" name="그림 12">
               <a:extLst>
                 <a:ext uri="{FF2B5EF4-FFF2-40B4-BE49-F238E27FC236}">
                   <a16:creationId xmlns:a16="http://schemas.microsoft.com/office/drawing/2014/main" id="{87821AEC-A724-47D3-A532-A6BA98A05B69}"/>
@@ -8403,8 +6729,8 @@
           </p:blipFill>
           <p:spPr>
             <a:xfrm>
-              <a:off x="3258961" y="1770168"/>
-              <a:ext cx="5674074" cy="4104285"/>
+              <a:off x="3261232" y="1770168"/>
+              <a:ext cx="5669530" cy="4104285"/>
             </a:xfrm>
             <a:prstGeom prst="rect">
               <a:avLst/>
@@ -8510,7 +6836,7 @@
                 <a:ea typeface="함초롬돋움" panose="020B0604000101010101" pitchFamily="50" charset="-127"/>
                 <a:cs typeface="함초롬돋움" panose="020B0604000101010101" pitchFamily="50" charset="-127"/>
               </a:rPr>
-              <a:t> 07 / 09 </a:t>
+              <a:t> 06 / 09 </a:t>
             </a:r>
             <a:r>
               <a:rPr lang="en-US" altLang="ko-KR" b="1" dirty="0">
@@ -8678,7 +7004,7 @@
                   <a:ea typeface="함초롬돋움" panose="020B0604000101010101" pitchFamily="50" charset="-127"/>
                   <a:cs typeface="함초롬돋움" panose="020B0604000101010101" pitchFamily="50" charset="-127"/>
                 </a:rPr>
-                <a:t>주소와 병원 분류를 입력하기 위한 라벨</a:t>
+                <a:t>주소와 병원분류를 입력하기 위한 라벨</a:t>
               </a:r>
             </a:p>
           </p:txBody>
@@ -9043,10 +7369,10 @@
       </p:grpSp>
       <p:grpSp>
         <p:nvGrpSpPr>
-          <p:cNvPr id="53" name="그룹 52">
-            <a:extLst>
-              <a:ext uri="{FF2B5EF4-FFF2-40B4-BE49-F238E27FC236}">
-                <a16:creationId xmlns:a16="http://schemas.microsoft.com/office/drawing/2014/main" id="{6A033C45-700F-4D43-B58E-16F3F22E6E47}"/>
+          <p:cNvPr id="3" name="그룹 2">
+            <a:extLst>
+              <a:ext uri="{FF2B5EF4-FFF2-40B4-BE49-F238E27FC236}">
+                <a16:creationId xmlns:a16="http://schemas.microsoft.com/office/drawing/2014/main" id="{EAE57689-01A2-404F-8148-B45D214FCE3B}"/>
               </a:ext>
             </a:extLst>
           </p:cNvPr>
@@ -9055,10 +7381,10 @@
         </p:nvGrpSpPr>
         <p:grpSpPr>
           <a:xfrm>
-            <a:off x="8339329" y="2124168"/>
-            <a:ext cx="3014905" cy="698280"/>
-            <a:chOff x="8339329" y="2124168"/>
-            <a:chExt cx="3014905" cy="698280"/>
+            <a:off x="6108731" y="2048782"/>
+            <a:ext cx="5620430" cy="829355"/>
+            <a:chOff x="6108731" y="2048782"/>
+            <a:chExt cx="5620430" cy="829355"/>
           </a:xfrm>
         </p:grpSpPr>
         <p:sp>
@@ -9075,8 +7401,8 @@
           </p:nvSpPr>
           <p:spPr>
             <a:xfrm>
-              <a:off x="8339329" y="2566416"/>
-              <a:ext cx="688847" cy="256032"/>
+              <a:off x="6108731" y="2453919"/>
+              <a:ext cx="2989548" cy="424218"/>
             </a:xfrm>
             <a:prstGeom prst="rect">
               <a:avLst/>
@@ -9109,7 +7435,7 @@
             <a:lstStyle/>
             <a:p>
               <a:pPr algn="ctr"/>
-              <a:endParaRPr lang="ko-KR" altLang="en-US"/>
+              <a:endParaRPr lang="ko-KR" altLang="en-US" dirty="0"/>
             </a:p>
           </p:txBody>
         </p:sp>
@@ -9129,8 +7455,8 @@
           </p:nvCxnSpPr>
           <p:spPr>
             <a:xfrm flipH="1">
-              <a:off x="9027767" y="2436594"/>
-              <a:ext cx="492358" cy="205069"/>
+              <a:off x="9088307" y="2489517"/>
+              <a:ext cx="726253" cy="130208"/>
             </a:xfrm>
             <a:prstGeom prst="line">
               <a:avLst/>
@@ -9170,8 +7496,8 @@
           </p:nvSpPr>
           <p:spPr>
             <a:xfrm>
-              <a:off x="9527800" y="2124168"/>
-              <a:ext cx="1826434" cy="553998"/>
+              <a:off x="9814560" y="2048782"/>
+              <a:ext cx="1914601" cy="784830"/>
             </a:xfrm>
             <a:prstGeom prst="rect">
               <a:avLst/>
@@ -9185,12 +7511,44 @@
             <a:lstStyle/>
             <a:p>
               <a:r>
+                <a:rPr lang="ko-KR" altLang="en-US" sz="1500" b="1" dirty="0" err="1">
+                  <a:latin typeface="함초롬돋움" panose="020B0604000101010101" pitchFamily="50" charset="-127"/>
+                  <a:ea typeface="함초롬돋움" panose="020B0604000101010101" pitchFamily="50" charset="-127"/>
+                  <a:cs typeface="함초롬돋움" panose="020B0604000101010101" pitchFamily="50" charset="-127"/>
+                </a:rPr>
+                <a:t>북마크</a:t>
+              </a:r>
+              <a:r>
+                <a:rPr lang="en-US" altLang="ko-KR" sz="1500" b="1" dirty="0">
+                  <a:latin typeface="함초롬돋움" panose="020B0604000101010101" pitchFamily="50" charset="-127"/>
+                  <a:ea typeface="함초롬돋움" panose="020B0604000101010101" pitchFamily="50" charset="-127"/>
+                  <a:cs typeface="함초롬돋움" panose="020B0604000101010101" pitchFamily="50" charset="-127"/>
+                </a:rPr>
+                <a:t>, </a:t>
+              </a:r>
+              <a:r>
                 <a:rPr lang="ko-KR" altLang="en-US" sz="1500" b="1" dirty="0">
                   <a:latin typeface="함초롬돋움" panose="020B0604000101010101" pitchFamily="50" charset="-127"/>
                   <a:ea typeface="함초롬돋움" panose="020B0604000101010101" pitchFamily="50" charset="-127"/>
                   <a:cs typeface="함초롬돋움" panose="020B0604000101010101" pitchFamily="50" charset="-127"/>
                 </a:rPr>
-                <a:t>선택된 병원 </a:t>
+                <a:t>메일보내기</a:t>
+              </a:r>
+              <a:r>
+                <a:rPr lang="en-US" altLang="ko-KR" sz="1500" b="1" dirty="0">
+                  <a:latin typeface="함초롬돋움" panose="020B0604000101010101" pitchFamily="50" charset="-127"/>
+                  <a:ea typeface="함초롬돋움" panose="020B0604000101010101" pitchFamily="50" charset="-127"/>
+                  <a:cs typeface="함초롬돋움" panose="020B0604000101010101" pitchFamily="50" charset="-127"/>
+                </a:rPr>
+                <a:t>, </a:t>
+              </a:r>
+              <a:r>
+                <a:rPr lang="ko-KR" altLang="en-US" sz="1500" b="1" dirty="0">
+                  <a:latin typeface="함초롬돋움" panose="020B0604000101010101" pitchFamily="50" charset="-127"/>
+                  <a:ea typeface="함초롬돋움" panose="020B0604000101010101" pitchFamily="50" charset="-127"/>
+                  <a:cs typeface="함초롬돋움" panose="020B0604000101010101" pitchFamily="50" charset="-127"/>
+                </a:rPr>
+                <a:t>홈페이지 접속 </a:t>
               </a:r>
               <a:endParaRPr lang="en-US" altLang="ko-KR" sz="1500" b="1" dirty="0">
                 <a:latin typeface="함초롬돋움" panose="020B0604000101010101" pitchFamily="50" charset="-127"/>
@@ -9205,23 +7563,7 @@
                   <a:ea typeface="함초롬돋움" panose="020B0604000101010101" pitchFamily="50" charset="-127"/>
                   <a:cs typeface="함초롬돋움" panose="020B0604000101010101" pitchFamily="50" charset="-127"/>
                 </a:rPr>
-                <a:t>홈페이지</a:t>
-              </a:r>
-              <a:r>
-                <a:rPr lang="en-US" altLang="ko-KR" sz="1500" b="1" dirty="0">
-                  <a:latin typeface="함초롬돋움" panose="020B0604000101010101" pitchFamily="50" charset="-127"/>
-                  <a:ea typeface="함초롬돋움" panose="020B0604000101010101" pitchFamily="50" charset="-127"/>
-                  <a:cs typeface="함초롬돋움" panose="020B0604000101010101" pitchFamily="50" charset="-127"/>
-                </a:rPr>
-                <a:t> </a:t>
-              </a:r>
-              <a:r>
-                <a:rPr lang="ko-KR" altLang="en-US" sz="1500" b="1" dirty="0">
-                  <a:latin typeface="함초롬돋움" panose="020B0604000101010101" pitchFamily="50" charset="-127"/>
-                  <a:ea typeface="함초롬돋움" panose="020B0604000101010101" pitchFamily="50" charset="-127"/>
-                  <a:cs typeface="함초롬돋움" panose="020B0604000101010101" pitchFamily="50" charset="-127"/>
-                </a:rPr>
-                <a:t>접속버튼</a:t>
+                <a:t>기능 버튼</a:t>
               </a:r>
             </a:p>
           </p:txBody>
@@ -9427,9 +7769,9 @@
         <p:grpSpPr>
           <a:xfrm>
             <a:off x="595598" y="5364495"/>
-            <a:ext cx="4628674" cy="784830"/>
+            <a:ext cx="4623552" cy="784830"/>
             <a:chOff x="595598" y="5364495"/>
-            <a:chExt cx="4628674" cy="784830"/>
+            <a:chExt cx="4623552" cy="784830"/>
           </a:xfrm>
         </p:grpSpPr>
         <p:sp>
@@ -9446,7 +7788,7 @@
           </p:nvSpPr>
           <p:spPr>
             <a:xfrm>
-              <a:off x="3699510" y="5756910"/>
+              <a:off x="3694388" y="5723818"/>
               <a:ext cx="1524762" cy="304584"/>
             </a:xfrm>
             <a:prstGeom prst="rect">
@@ -9600,7 +7942,7 @@
     </p:spTree>
     <p:extLst>
       <p:ext uri="{BB962C8B-B14F-4D97-AF65-F5344CB8AC3E}">
-        <p14:creationId xmlns:p14="http://schemas.microsoft.com/office/powerpoint/2010/main" val="4040212647"/>
+        <p14:creationId xmlns:p14="http://schemas.microsoft.com/office/powerpoint/2010/main" val="2235037423"/>
       </p:ext>
     </p:extLst>
   </p:cSld>
@@ -9776,7 +8118,7 @@
                                           </p:stCondLst>
                                         </p:cTn>
                                         <p:tgtEl>
-                                          <p:spTgt spid="54"/>
+                                          <p:spTgt spid="3"/>
                                         </p:tgtEl>
                                         <p:attrNameLst>
                                           <p:attrName>style.visibility</p:attrName>
@@ -9821,7 +8163,7 @@
                                           </p:stCondLst>
                                         </p:cTn>
                                         <p:tgtEl>
-                                          <p:spTgt spid="53"/>
+                                          <p:spTgt spid="54"/>
                                         </p:tgtEl>
                                         <p:attrNameLst>
                                           <p:attrName>style.visibility</p:attrName>
@@ -9910,7 +8252,7 @@
 </p:sld>
 </file>
 
-<file path=ppt/slides/slide8.xml><?xml version="1.0" encoding="utf-8"?>
+<file path=ppt/slides/slide7.xml><?xml version="1.0" encoding="utf-8"?>
 <p:sld xmlns:a="http://schemas.openxmlformats.org/drawingml/2006/main" xmlns:r="http://schemas.openxmlformats.org/officeDocument/2006/relationships" xmlns:p="http://schemas.openxmlformats.org/presentationml/2006/main">
   <p:cSld>
     <p:spTree>
@@ -10155,9 +8497,9 @@
         <p:grpSpPr>
           <a:xfrm>
             <a:off x="2352584" y="1285542"/>
-            <a:ext cx="7643672" cy="5039660"/>
+            <a:ext cx="7643672" cy="4983613"/>
             <a:chOff x="3249608" y="1732756"/>
-            <a:chExt cx="5683428" cy="4141697"/>
+            <a:chExt cx="5683428" cy="4095637"/>
           </a:xfrm>
         </p:grpSpPr>
         <p:pic>
@@ -10188,8 +8530,8 @@
           </p:blipFill>
           <p:spPr>
             <a:xfrm>
-              <a:off x="3283612" y="1770168"/>
-              <a:ext cx="5624770" cy="4104285"/>
+              <a:off x="3249608" y="1732757"/>
+              <a:ext cx="5683428" cy="4095636"/>
             </a:xfrm>
             <a:prstGeom prst="rect">
               <a:avLst/>
@@ -10295,6 +8637,1785 @@
                 <a:ea typeface="함초롬돋움" panose="020B0604000101010101" pitchFamily="50" charset="-127"/>
                 <a:cs typeface="함초롬돋움" panose="020B0604000101010101" pitchFamily="50" charset="-127"/>
               </a:rPr>
+              <a:t> 07 / 09 </a:t>
+            </a:r>
+            <a:r>
+              <a:rPr lang="en-US" altLang="ko-KR" b="1" dirty="0">
+                <a:solidFill>
+                  <a:schemeClr val="accent6"/>
+                </a:solidFill>
+              </a:rPr>
+              <a:t>-</a:t>
+            </a:r>
+            <a:endParaRPr lang="ko-KR" altLang="en-US" b="1" dirty="0">
+              <a:solidFill>
+                <a:schemeClr val="accent6"/>
+              </a:solidFill>
+            </a:endParaRPr>
+          </a:p>
+        </p:txBody>
+      </p:sp>
+    </p:spTree>
+    <p:extLst>
+      <p:ext uri="{BB962C8B-B14F-4D97-AF65-F5344CB8AC3E}">
+        <p14:creationId xmlns:p14="http://schemas.microsoft.com/office/powerpoint/2010/main" val="1000196477"/>
+      </p:ext>
+    </p:extLst>
+  </p:cSld>
+  <p:clrMapOvr>
+    <a:masterClrMapping/>
+  </p:clrMapOvr>
+</p:sld>
+</file>
+
+<file path=ppt/slides/slide8.xml><?xml version="1.0" encoding="utf-8"?>
+<p:sld xmlns:a="http://schemas.openxmlformats.org/drawingml/2006/main" xmlns:r="http://schemas.openxmlformats.org/officeDocument/2006/relationships" xmlns:p="http://schemas.openxmlformats.org/presentationml/2006/main">
+  <p:cSld>
+    <p:spTree>
+      <p:nvGrpSpPr>
+        <p:cNvPr id="1" name=""/>
+        <p:cNvGrpSpPr/>
+        <p:nvPr/>
+      </p:nvGrpSpPr>
+      <p:grpSpPr>
+        <a:xfrm>
+          <a:off x="0" y="0"/>
+          <a:ext cx="0" cy="0"/>
+          <a:chOff x="0" y="0"/>
+          <a:chExt cx="0" cy="0"/>
+        </a:xfrm>
+      </p:grpSpPr>
+      <p:sp>
+        <p:nvSpPr>
+          <p:cNvPr id="4" name="사각형: 둥근 모서리 3">
+            <a:extLst>
+              <a:ext uri="{FF2B5EF4-FFF2-40B4-BE49-F238E27FC236}">
+                <a16:creationId xmlns:a16="http://schemas.microsoft.com/office/drawing/2014/main" id="{DA245EDD-63D0-432D-9893-87BD13ECFD44}"/>
+              </a:ext>
+            </a:extLst>
+          </p:cNvPr>
+          <p:cNvSpPr/>
+          <p:nvPr/>
+        </p:nvSpPr>
+        <p:spPr>
+          <a:xfrm>
+            <a:off x="200891" y="311727"/>
+            <a:ext cx="11790218" cy="6234546"/>
+          </a:xfrm>
+          <a:prstGeom prst="roundRect">
+            <a:avLst/>
+          </a:prstGeom>
+          <a:ln w="127000">
+            <a:solidFill>
+              <a:schemeClr val="accent6"/>
+            </a:solidFill>
+          </a:ln>
+        </p:spPr>
+        <p:style>
+          <a:lnRef idx="2">
+            <a:schemeClr val="accent6"/>
+          </a:lnRef>
+          <a:fillRef idx="1">
+            <a:schemeClr val="lt1"/>
+          </a:fillRef>
+          <a:effectRef idx="0">
+            <a:schemeClr val="accent6"/>
+          </a:effectRef>
+          <a:fontRef idx="minor">
+            <a:schemeClr val="dk1"/>
+          </a:fontRef>
+        </p:style>
+        <p:txBody>
+          <a:bodyPr rtlCol="0" anchor="ctr"/>
+          <a:lstStyle/>
+          <a:p>
+            <a:pPr algn="ctr"/>
+            <a:endParaRPr lang="ko-KR" altLang="en-US" dirty="0"/>
+          </a:p>
+        </p:txBody>
+      </p:sp>
+      <p:sp>
+        <p:nvSpPr>
+          <p:cNvPr id="3" name="TextBox 2">
+            <a:extLst>
+              <a:ext uri="{FF2B5EF4-FFF2-40B4-BE49-F238E27FC236}">
+                <a16:creationId xmlns:a16="http://schemas.microsoft.com/office/drawing/2014/main" id="{DB96E55E-CF97-45EC-BACB-E289D48C45B8}"/>
+              </a:ext>
+            </a:extLst>
+          </p:cNvPr>
+          <p:cNvSpPr txBox="1"/>
+          <p:nvPr/>
+        </p:nvSpPr>
+        <p:spPr>
+          <a:xfrm>
+            <a:off x="5444834" y="6002666"/>
+            <a:ext cx="1302329" cy="369332"/>
+          </a:xfrm>
+          <a:prstGeom prst="rect">
+            <a:avLst/>
+          </a:prstGeom>
+          <a:noFill/>
+        </p:spPr>
+        <p:txBody>
+          <a:bodyPr wrap="square" rtlCol="0">
+            <a:spAutoFit/>
+          </a:bodyPr>
+          <a:lstStyle/>
+          <a:p>
+            <a:pPr algn="ctr"/>
+            <a:r>
+              <a:rPr lang="en-US" altLang="ko-KR" b="1" dirty="0">
+                <a:solidFill>
+                  <a:schemeClr val="accent6"/>
+                </a:solidFill>
+              </a:rPr>
+              <a:t>-</a:t>
+            </a:r>
+            <a:r>
+              <a:rPr lang="en-US" altLang="ko-KR" b="1" dirty="0">
+                <a:solidFill>
+                  <a:schemeClr val="accent6"/>
+                </a:solidFill>
+                <a:latin typeface="함초롬돋움" panose="020B0604000101010101" pitchFamily="50" charset="-127"/>
+                <a:ea typeface="함초롬돋움" panose="020B0604000101010101" pitchFamily="50" charset="-127"/>
+                <a:cs typeface="함초롬돋움" panose="020B0604000101010101" pitchFamily="50" charset="-127"/>
+              </a:rPr>
+              <a:t> 07 / 00 </a:t>
+            </a:r>
+            <a:r>
+              <a:rPr lang="en-US" altLang="ko-KR" b="1" dirty="0">
+                <a:solidFill>
+                  <a:schemeClr val="accent6"/>
+                </a:solidFill>
+              </a:rPr>
+              <a:t>-</a:t>
+            </a:r>
+            <a:endParaRPr lang="ko-KR" altLang="en-US" b="1" dirty="0">
+              <a:solidFill>
+                <a:schemeClr val="accent6"/>
+              </a:solidFill>
+            </a:endParaRPr>
+          </a:p>
+        </p:txBody>
+      </p:sp>
+      <p:grpSp>
+        <p:nvGrpSpPr>
+          <p:cNvPr id="5" name="그룹 4">
+            <a:extLst>
+              <a:ext uri="{FF2B5EF4-FFF2-40B4-BE49-F238E27FC236}">
+                <a16:creationId xmlns:a16="http://schemas.microsoft.com/office/drawing/2014/main" id="{769EB77F-F56B-4421-AEC1-5BA8328BFF5E}"/>
+              </a:ext>
+            </a:extLst>
+          </p:cNvPr>
+          <p:cNvGrpSpPr/>
+          <p:nvPr/>
+        </p:nvGrpSpPr>
+        <p:grpSpPr>
+          <a:xfrm>
+            <a:off x="886692" y="579776"/>
+            <a:ext cx="9296399" cy="668354"/>
+            <a:chOff x="886692" y="579776"/>
+            <a:chExt cx="9296399" cy="668354"/>
+          </a:xfrm>
+        </p:grpSpPr>
+        <p:sp>
+          <p:nvSpPr>
+            <p:cNvPr id="6" name="TextBox 5">
+              <a:extLst>
+                <a:ext uri="{FF2B5EF4-FFF2-40B4-BE49-F238E27FC236}">
+                  <a16:creationId xmlns:a16="http://schemas.microsoft.com/office/drawing/2014/main" id="{44470F2E-6F66-4944-A30A-DB3E2DCA175F}"/>
+                </a:ext>
+              </a:extLst>
+            </p:cNvPr>
+            <p:cNvSpPr txBox="1"/>
+            <p:nvPr/>
+          </p:nvSpPr>
+          <p:spPr>
+            <a:xfrm>
+              <a:off x="4225636" y="579776"/>
+              <a:ext cx="5957455" cy="630942"/>
+            </a:xfrm>
+            <a:prstGeom prst="rect">
+              <a:avLst/>
+            </a:prstGeom>
+            <a:noFill/>
+          </p:spPr>
+          <p:txBody>
+            <a:bodyPr wrap="square" rtlCol="0">
+              <a:spAutoFit/>
+            </a:bodyPr>
+            <a:lstStyle/>
+            <a:p>
+              <a:r>
+                <a:rPr lang="ko-KR" altLang="en-US" sz="3500" b="1" dirty="0">
+                  <a:latin typeface="함초롬돋움" panose="020B0604000101010101" pitchFamily="50" charset="-127"/>
+                  <a:ea typeface="함초롬돋움" panose="020B0604000101010101" pitchFamily="50" charset="-127"/>
+                  <a:cs typeface="함초롬돋움" panose="020B0604000101010101" pitchFamily="50" charset="-127"/>
+                </a:rPr>
+                <a:t>개발 일정</a:t>
+              </a:r>
+            </a:p>
+          </p:txBody>
+        </p:sp>
+        <p:grpSp>
+          <p:nvGrpSpPr>
+            <p:cNvPr id="7" name="그룹 6">
+              <a:extLst>
+                <a:ext uri="{FF2B5EF4-FFF2-40B4-BE49-F238E27FC236}">
+                  <a16:creationId xmlns:a16="http://schemas.microsoft.com/office/drawing/2014/main" id="{85DFD28E-4166-4C67-966B-17D5A6C10F71}"/>
+                </a:ext>
+              </a:extLst>
+            </p:cNvPr>
+            <p:cNvGrpSpPr/>
+            <p:nvPr/>
+          </p:nvGrpSpPr>
+          <p:grpSpPr>
+            <a:xfrm>
+              <a:off x="886692" y="617188"/>
+              <a:ext cx="3338944" cy="630942"/>
+              <a:chOff x="3064534" y="1838135"/>
+              <a:chExt cx="6936658" cy="527109"/>
+            </a:xfrm>
+          </p:grpSpPr>
+          <p:pic>
+            <p:nvPicPr>
+              <p:cNvPr id="8" name="그림 7">
+                <a:extLst>
+                  <a:ext uri="{FF2B5EF4-FFF2-40B4-BE49-F238E27FC236}">
+                    <a16:creationId xmlns:a16="http://schemas.microsoft.com/office/drawing/2014/main" id="{6F879E2F-1C37-495E-9D80-EE067540A64F}"/>
+                  </a:ext>
+                </a:extLst>
+              </p:cNvPr>
+              <p:cNvPicPr>
+                <a:picLocks noChangeAspect="1"/>
+              </p:cNvPicPr>
+              <p:nvPr/>
+            </p:nvPicPr>
+            <p:blipFill>
+              <a:blip r:embed="rId2">
+                <a:extLst>
+                  <a:ext uri="{28A0092B-C50C-407E-A947-70E740481C1C}">
+                    <a14:useLocalDpi xmlns:a14="http://schemas.microsoft.com/office/drawing/2010/main" val="0"/>
+                  </a:ext>
+                </a:extLst>
+              </a:blip>
+              <a:stretch>
+                <a:fillRect/>
+              </a:stretch>
+            </p:blipFill>
+            <p:spPr>
+              <a:xfrm>
+                <a:off x="3064534" y="1883069"/>
+                <a:ext cx="868171" cy="473885"/>
+              </a:xfrm>
+              <a:prstGeom prst="rect">
+                <a:avLst/>
+              </a:prstGeom>
+            </p:spPr>
+          </p:pic>
+          <p:sp>
+            <p:nvSpPr>
+              <p:cNvPr id="9" name="TextBox 8">
+                <a:extLst>
+                  <a:ext uri="{FF2B5EF4-FFF2-40B4-BE49-F238E27FC236}">
+                    <a16:creationId xmlns:a16="http://schemas.microsoft.com/office/drawing/2014/main" id="{00C046BC-D7E0-402B-831B-4A39A1A3AFB8}"/>
+                  </a:ext>
+                </a:extLst>
+              </p:cNvPr>
+              <p:cNvSpPr txBox="1"/>
+              <p:nvPr/>
+            </p:nvSpPr>
+            <p:spPr>
+              <a:xfrm>
+                <a:off x="3932707" y="1838135"/>
+                <a:ext cx="6068485" cy="527109"/>
+              </a:xfrm>
+              <a:prstGeom prst="rect">
+                <a:avLst/>
+              </a:prstGeom>
+              <a:noFill/>
+            </p:spPr>
+            <p:txBody>
+              <a:bodyPr wrap="square" rtlCol="0">
+                <a:spAutoFit/>
+              </a:bodyPr>
+              <a:lstStyle/>
+              <a:p>
+                <a:r>
+                  <a:rPr lang="en-US" altLang="ko-KR" sz="3500" dirty="0" err="1">
+                    <a:solidFill>
+                      <a:schemeClr val="accent6"/>
+                    </a:solidFill>
+                    <a:latin typeface="Eras Bold ITC" panose="020B0907030504020204" pitchFamily="34" charset="0"/>
+                  </a:rPr>
+                  <a:t>MediWhere</a:t>
+                </a:r>
+                <a:endParaRPr lang="ko-KR" altLang="en-US" sz="3500" dirty="0">
+                  <a:solidFill>
+                    <a:schemeClr val="accent6"/>
+                  </a:solidFill>
+                  <a:latin typeface="Eras Bold ITC" panose="020B0907030504020204" pitchFamily="34" charset="0"/>
+                </a:endParaRPr>
+              </a:p>
+            </p:txBody>
+          </p:sp>
+        </p:grpSp>
+      </p:grpSp>
+      <p:graphicFrame>
+        <p:nvGraphicFramePr>
+          <p:cNvPr id="19" name="표 18">
+            <a:extLst>
+              <a:ext uri="{FF2B5EF4-FFF2-40B4-BE49-F238E27FC236}">
+                <a16:creationId xmlns:a16="http://schemas.microsoft.com/office/drawing/2014/main" id="{79C4F2DF-66AA-4625-A3E0-DBF8148B7786}"/>
+              </a:ext>
+            </a:extLst>
+          </p:cNvPr>
+          <p:cNvGraphicFramePr>
+            <a:graphicFrameLocks noGrp="1"/>
+          </p:cNvGraphicFramePr>
+          <p:nvPr>
+            <p:extLst>
+              <p:ext uri="{D42A27DB-BD31-4B8C-83A1-F6EECF244321}">
+                <p14:modId xmlns:p14="http://schemas.microsoft.com/office/powerpoint/2010/main" val="631656419"/>
+              </p:ext>
+            </p:extLst>
+          </p:nvPr>
+        </p:nvGraphicFramePr>
+        <p:xfrm>
+          <a:off x="1002798" y="1346265"/>
+          <a:ext cx="10186399" cy="4998720"/>
+        </p:xfrm>
+        <a:graphic>
+          <a:graphicData uri="http://schemas.openxmlformats.org/drawingml/2006/table">
+            <a:tbl>
+              <a:tblPr firstRow="1" bandRow="1">
+                <a:tableStyleId>{93296810-A885-4BE3-A3E7-6D5BEEA58F35}</a:tableStyleId>
+              </a:tblPr>
+              <a:tblGrid>
+                <a:gridCol w="1286088">
+                  <a:extLst>
+                    <a:ext uri="{9D8B030D-6E8A-4147-A177-3AD203B41FA5}">
+                      <a16:colId xmlns:a16="http://schemas.microsoft.com/office/drawing/2014/main" val="3130116251"/>
+                    </a:ext>
+                  </a:extLst>
+                </a:gridCol>
+                <a:gridCol w="3513887">
+                  <a:extLst>
+                    <a:ext uri="{9D8B030D-6E8A-4147-A177-3AD203B41FA5}">
+                      <a16:colId xmlns:a16="http://schemas.microsoft.com/office/drawing/2014/main" val="567274282"/>
+                    </a:ext>
+                  </a:extLst>
+                </a:gridCol>
+                <a:gridCol w="4602384">
+                  <a:extLst>
+                    <a:ext uri="{9D8B030D-6E8A-4147-A177-3AD203B41FA5}">
+                      <a16:colId xmlns:a16="http://schemas.microsoft.com/office/drawing/2014/main" val="4240577183"/>
+                    </a:ext>
+                  </a:extLst>
+                </a:gridCol>
+                <a:gridCol w="784040">
+                  <a:extLst>
+                    <a:ext uri="{9D8B030D-6E8A-4147-A177-3AD203B41FA5}">
+                      <a16:colId xmlns:a16="http://schemas.microsoft.com/office/drawing/2014/main" val="3110937553"/>
+                    </a:ext>
+                  </a:extLst>
+                </a:gridCol>
+              </a:tblGrid>
+              <a:tr h="342724">
+                <a:tc>
+                  <a:txBody>
+                    <a:bodyPr/>
+                    <a:lstStyle/>
+                    <a:p>
+                      <a:pPr latinLnBrk="1"/>
+                      <a:r>
+                        <a:rPr lang="ko-KR" altLang="en-US" dirty="0"/>
+                        <a:t>주차</a:t>
+                      </a:r>
+                    </a:p>
+                  </a:txBody>
+                  <a:tcPr/>
+                </a:tc>
+                <a:tc>
+                  <a:txBody>
+                    <a:bodyPr/>
+                    <a:lstStyle/>
+                    <a:p>
+                      <a:pPr latinLnBrk="1"/>
+                      <a:r>
+                        <a:rPr lang="ko-KR" altLang="en-US" dirty="0"/>
+                        <a:t>계획</a:t>
+                      </a:r>
+                    </a:p>
+                  </a:txBody>
+                  <a:tcPr/>
+                </a:tc>
+                <a:tc>
+                  <a:txBody>
+                    <a:bodyPr/>
+                    <a:lstStyle/>
+                    <a:p>
+                      <a:pPr latinLnBrk="1"/>
+                      <a:r>
+                        <a:rPr lang="ko-KR" altLang="en-US" dirty="0"/>
+                        <a:t>세부 계획</a:t>
+                      </a:r>
+                    </a:p>
+                  </a:txBody>
+                  <a:tcPr/>
+                </a:tc>
+                <a:tc>
+                  <a:txBody>
+                    <a:bodyPr/>
+                    <a:lstStyle/>
+                    <a:p>
+                      <a:pPr latinLnBrk="1"/>
+                      <a:r>
+                        <a:rPr lang="ko-KR" altLang="en-US" dirty="0"/>
+                        <a:t>시행</a:t>
+                      </a:r>
+                    </a:p>
+                  </a:txBody>
+                  <a:tcPr/>
+                </a:tc>
+                <a:extLst>
+                  <a:ext uri="{0D108BD9-81ED-4DB2-BD59-A6C34878D82A}">
+                    <a16:rowId xmlns:a16="http://schemas.microsoft.com/office/drawing/2014/main" val="1771836580"/>
+                  </a:ext>
+                </a:extLst>
+              </a:tr>
+              <a:tr h="542646">
+                <a:tc>
+                  <a:txBody>
+                    <a:bodyPr/>
+                    <a:lstStyle/>
+                    <a:p>
+                      <a:pPr latinLnBrk="1"/>
+                      <a:r>
+                        <a:rPr lang="en-US" altLang="ko-KR" sz="1600" b="1" dirty="0"/>
+                        <a:t>1</a:t>
+                      </a:r>
+                      <a:r>
+                        <a:rPr lang="ko-KR" altLang="en-US" sz="1600" b="1" dirty="0"/>
+                        <a:t>주 </a:t>
+                      </a:r>
+                      <a:r>
+                        <a:rPr lang="en-US" altLang="ko-KR" sz="1600" b="1" dirty="0"/>
+                        <a:t>(4.27~5.3)</a:t>
+                      </a:r>
+                      <a:endParaRPr lang="ko-KR" altLang="en-US" sz="1600" b="1" dirty="0"/>
+                    </a:p>
+                  </a:txBody>
+                  <a:tcPr/>
+                </a:tc>
+                <a:tc>
+                  <a:txBody>
+                    <a:bodyPr/>
+                    <a:lstStyle/>
+                    <a:p>
+                      <a:pPr latinLnBrk="1"/>
+                      <a:r>
+                        <a:rPr lang="ko-KR" altLang="en-US" sz="1600" b="1" dirty="0" err="1"/>
+                        <a:t>파이썬</a:t>
+                      </a:r>
+                      <a:r>
+                        <a:rPr lang="ko-KR" altLang="en-US" sz="1600" b="1" dirty="0"/>
+                        <a:t> 모듈</a:t>
+                      </a:r>
+                      <a:r>
+                        <a:rPr lang="en-US" altLang="ko-KR" sz="1600" b="1" dirty="0"/>
+                        <a:t>, </a:t>
+                      </a:r>
+                      <a:r>
+                        <a:rPr lang="en-US" altLang="ko-KR" sz="1600" b="1" dirty="0" err="1"/>
+                        <a:t>OpenAPI</a:t>
+                      </a:r>
+                      <a:r>
+                        <a:rPr lang="en-US" altLang="ko-KR" sz="1600" b="1" dirty="0"/>
+                        <a:t> </a:t>
+                      </a:r>
+                      <a:r>
+                        <a:rPr lang="ko-KR" altLang="en-US" sz="1600" b="1" dirty="0"/>
+                        <a:t>조사</a:t>
+                      </a:r>
+                      <a:r>
+                        <a:rPr lang="en-US" altLang="ko-KR" sz="1600" b="1" dirty="0"/>
+                        <a:t>,</a:t>
+                      </a:r>
+                    </a:p>
+                    <a:p>
+                      <a:pPr latinLnBrk="1"/>
+                      <a:r>
+                        <a:rPr lang="ko-KR" altLang="en-US" sz="1600" b="1" dirty="0"/>
+                        <a:t>주제 선정</a:t>
+                      </a:r>
+                    </a:p>
+                  </a:txBody>
+                  <a:tcPr/>
+                </a:tc>
+                <a:tc>
+                  <a:txBody>
+                    <a:bodyPr/>
+                    <a:lstStyle/>
+                    <a:p>
+                      <a:pPr latinLnBrk="1"/>
+                      <a:r>
+                        <a:rPr lang="en-US" altLang="ko-KR" sz="1600" b="1" dirty="0"/>
+                        <a:t>Xml </a:t>
+                      </a:r>
+                      <a:r>
+                        <a:rPr lang="ko-KR" altLang="en-US" sz="1600" b="1" dirty="0"/>
+                        <a:t>모듈 조사 </a:t>
+                      </a:r>
+                      <a:endParaRPr lang="en-US" altLang="ko-KR" sz="1600" b="1" dirty="0"/>
+                    </a:p>
+                    <a:p>
+                      <a:pPr latinLnBrk="1"/>
+                      <a:r>
+                        <a:rPr lang="ko-KR" altLang="en-US" sz="1600" b="1" dirty="0"/>
+                        <a:t>사용가능 </a:t>
+                      </a:r>
+                      <a:r>
+                        <a:rPr lang="en-US" altLang="ko-KR" sz="1600" b="1" dirty="0"/>
+                        <a:t>API </a:t>
+                      </a:r>
+                      <a:r>
+                        <a:rPr lang="ko-KR" altLang="en-US" sz="1600" b="1" dirty="0"/>
+                        <a:t>찾기 및 가용한 주제 선정</a:t>
+                      </a:r>
+                    </a:p>
+                  </a:txBody>
+                  <a:tcPr/>
+                </a:tc>
+                <a:tc>
+                  <a:txBody>
+                    <a:bodyPr/>
+                    <a:lstStyle/>
+                    <a:p>
+                      <a:pPr latinLnBrk="1"/>
+                      <a:endParaRPr lang="ko-KR" altLang="en-US" sz="1600" dirty="0"/>
+                    </a:p>
+                  </a:txBody>
+                  <a:tcPr/>
+                </a:tc>
+                <a:extLst>
+                  <a:ext uri="{0D108BD9-81ED-4DB2-BD59-A6C34878D82A}">
+                    <a16:rowId xmlns:a16="http://schemas.microsoft.com/office/drawing/2014/main" val="1066783592"/>
+                  </a:ext>
+                </a:extLst>
+              </a:tr>
+              <a:tr h="542646">
+                <a:tc>
+                  <a:txBody>
+                    <a:bodyPr/>
+                    <a:lstStyle/>
+                    <a:p>
+                      <a:pPr latinLnBrk="1"/>
+                      <a:r>
+                        <a:rPr lang="en-US" altLang="ko-KR" sz="1600" b="1" dirty="0"/>
+                        <a:t>2</a:t>
+                      </a:r>
+                      <a:r>
+                        <a:rPr lang="ko-KR" altLang="en-US" sz="1600" b="1" dirty="0"/>
+                        <a:t>주</a:t>
+                      </a:r>
+                      <a:endParaRPr lang="en-US" altLang="ko-KR" sz="1600" b="1" dirty="0"/>
+                    </a:p>
+                    <a:p>
+                      <a:pPr latinLnBrk="1"/>
+                      <a:r>
+                        <a:rPr lang="en-US" altLang="ko-KR" sz="1600" b="1" dirty="0"/>
+                        <a:t>(5.4~5.10)</a:t>
+                      </a:r>
+                      <a:endParaRPr lang="ko-KR" altLang="en-US" sz="1600" b="1" dirty="0"/>
+                    </a:p>
+                  </a:txBody>
+                  <a:tcPr/>
+                </a:tc>
+                <a:tc>
+                  <a:txBody>
+                    <a:bodyPr/>
+                    <a:lstStyle/>
+                    <a:p>
+                      <a:pPr latinLnBrk="1"/>
+                      <a:r>
+                        <a:rPr lang="ko-KR" altLang="en-US" sz="1600" b="1" dirty="0"/>
+                        <a:t>프로그램 기능 설정</a:t>
+                      </a:r>
+                      <a:r>
+                        <a:rPr lang="en-US" altLang="ko-KR" sz="1600" b="1" dirty="0"/>
+                        <a:t>,</a:t>
+                      </a:r>
+                    </a:p>
+                    <a:p>
+                      <a:pPr latinLnBrk="1"/>
+                      <a:r>
+                        <a:rPr lang="en-US" altLang="ko-KR" sz="1600" b="1" dirty="0" err="1"/>
+                        <a:t>OpenAPI</a:t>
+                      </a:r>
+                      <a:r>
+                        <a:rPr lang="en-US" altLang="ko-KR" sz="1600" b="1" dirty="0"/>
+                        <a:t> </a:t>
+                      </a:r>
+                      <a:r>
+                        <a:rPr lang="ko-KR" altLang="en-US" sz="1600" b="1" dirty="0"/>
+                        <a:t>연동 확인</a:t>
+                      </a:r>
+                    </a:p>
+                  </a:txBody>
+                  <a:tcPr/>
+                </a:tc>
+                <a:tc>
+                  <a:txBody>
+                    <a:bodyPr/>
+                    <a:lstStyle/>
+                    <a:p>
+                      <a:pPr latinLnBrk="1"/>
+                      <a:r>
+                        <a:rPr lang="en-US" altLang="ko-KR" sz="1600" b="1" dirty="0" err="1"/>
+                        <a:t>OpenAPI</a:t>
+                      </a:r>
+                      <a:r>
+                        <a:rPr lang="ko-KR" altLang="en-US" sz="1600" b="1" dirty="0"/>
+                        <a:t>를 통해 들어온 데이터 분석</a:t>
+                      </a:r>
+                      <a:endParaRPr lang="en-US" altLang="ko-KR" sz="1600" b="1" dirty="0"/>
+                    </a:p>
+                    <a:p>
+                      <a:pPr latinLnBrk="1"/>
+                      <a:r>
+                        <a:rPr lang="en-US" altLang="ko-KR" sz="1600" b="1" dirty="0"/>
+                        <a:t>Xml </a:t>
+                      </a:r>
+                      <a:r>
+                        <a:rPr lang="ko-KR" altLang="en-US" sz="1600" b="1" dirty="0"/>
+                        <a:t>모듈 활용</a:t>
+                      </a:r>
+                      <a:endParaRPr lang="en-US" altLang="ko-KR" sz="1600" b="1" dirty="0"/>
+                    </a:p>
+                  </a:txBody>
+                  <a:tcPr/>
+                </a:tc>
+                <a:tc>
+                  <a:txBody>
+                    <a:bodyPr/>
+                    <a:lstStyle/>
+                    <a:p>
+                      <a:pPr latinLnBrk="1"/>
+                      <a:endParaRPr lang="ko-KR" altLang="en-US" sz="1600" dirty="0"/>
+                    </a:p>
+                  </a:txBody>
+                  <a:tcPr/>
+                </a:tc>
+                <a:extLst>
+                  <a:ext uri="{0D108BD9-81ED-4DB2-BD59-A6C34878D82A}">
+                    <a16:rowId xmlns:a16="http://schemas.microsoft.com/office/drawing/2014/main" val="3181699754"/>
+                  </a:ext>
+                </a:extLst>
+              </a:tr>
+              <a:tr h="542646">
+                <a:tc>
+                  <a:txBody>
+                    <a:bodyPr/>
+                    <a:lstStyle/>
+                    <a:p>
+                      <a:pPr latinLnBrk="1"/>
+                      <a:r>
+                        <a:rPr lang="en-US" altLang="ko-KR" sz="1600" b="1" dirty="0"/>
+                        <a:t>3</a:t>
+                      </a:r>
+                      <a:r>
+                        <a:rPr lang="ko-KR" altLang="en-US" sz="1600" b="1" dirty="0"/>
+                        <a:t>주</a:t>
+                      </a:r>
+                      <a:endParaRPr lang="en-US" altLang="ko-KR" sz="1600" b="1" dirty="0"/>
+                    </a:p>
+                    <a:p>
+                      <a:pPr latinLnBrk="1"/>
+                      <a:r>
+                        <a:rPr lang="en-US" altLang="ko-KR" sz="1600" b="1" dirty="0"/>
+                        <a:t>(5.11~5.17)</a:t>
+                      </a:r>
+                      <a:endParaRPr lang="ko-KR" altLang="en-US" sz="1600" b="1" dirty="0"/>
+                    </a:p>
+                  </a:txBody>
+                  <a:tcPr/>
+                </a:tc>
+                <a:tc>
+                  <a:txBody>
+                    <a:bodyPr/>
+                    <a:lstStyle/>
+                    <a:p>
+                      <a:pPr latinLnBrk="1"/>
+                      <a:r>
+                        <a:rPr lang="ko-KR" altLang="en-US" sz="1600" b="1" dirty="0">
+                          <a:solidFill>
+                            <a:srgbClr val="FF0000"/>
+                          </a:solidFill>
+                        </a:rPr>
+                        <a:t>기획발표 </a:t>
+                      </a:r>
+                      <a:r>
+                        <a:rPr lang="en-US" altLang="ko-KR" sz="1600" b="1" dirty="0">
+                          <a:solidFill>
+                            <a:srgbClr val="FF0000"/>
+                          </a:solidFill>
+                        </a:rPr>
+                        <a:t>5/17</a:t>
+                      </a:r>
+                      <a:r>
+                        <a:rPr lang="en-US" altLang="ko-KR" sz="1600" b="1" dirty="0"/>
+                        <a:t>,</a:t>
+                      </a:r>
+                      <a:r>
+                        <a:rPr lang="en-US" altLang="ko-KR" sz="1600" b="1" baseline="0" dirty="0"/>
+                        <a:t> </a:t>
+                      </a:r>
+                    </a:p>
+                    <a:p>
+                      <a:pPr latinLnBrk="1"/>
+                      <a:r>
+                        <a:rPr lang="ko-KR" altLang="en-US" sz="1600" b="1" dirty="0"/>
+                        <a:t>프로그램 틀 개발</a:t>
+                      </a:r>
+                    </a:p>
+                  </a:txBody>
+                  <a:tcPr/>
+                </a:tc>
+                <a:tc>
+                  <a:txBody>
+                    <a:bodyPr/>
+                    <a:lstStyle/>
+                    <a:p>
+                      <a:pPr latinLnBrk="1"/>
+                      <a:r>
+                        <a:rPr lang="ko-KR" altLang="en-US" sz="1600" b="1" dirty="0"/>
+                        <a:t>발표자료 작성</a:t>
+                      </a:r>
+                      <a:endParaRPr lang="en-US" altLang="ko-KR" sz="1600" b="1" dirty="0"/>
+                    </a:p>
+                    <a:p>
+                      <a:pPr latinLnBrk="1"/>
+                      <a:r>
+                        <a:rPr lang="ko-KR" altLang="en-US" sz="1600" b="1" dirty="0"/>
+                        <a:t>필요한 사용자 모듈 및 함수 작성</a:t>
+                      </a:r>
+                    </a:p>
+                  </a:txBody>
+                  <a:tcPr/>
+                </a:tc>
+                <a:tc>
+                  <a:txBody>
+                    <a:bodyPr/>
+                    <a:lstStyle/>
+                    <a:p>
+                      <a:pPr latinLnBrk="1"/>
+                      <a:endParaRPr lang="ko-KR" altLang="en-US" sz="1600" dirty="0"/>
+                    </a:p>
+                  </a:txBody>
+                  <a:tcPr/>
+                </a:tc>
+                <a:extLst>
+                  <a:ext uri="{0D108BD9-81ED-4DB2-BD59-A6C34878D82A}">
+                    <a16:rowId xmlns:a16="http://schemas.microsoft.com/office/drawing/2014/main" val="3969082127"/>
+                  </a:ext>
+                </a:extLst>
+              </a:tr>
+              <a:tr h="542646">
+                <a:tc>
+                  <a:txBody>
+                    <a:bodyPr/>
+                    <a:lstStyle/>
+                    <a:p>
+                      <a:pPr latinLnBrk="1"/>
+                      <a:r>
+                        <a:rPr lang="en-US" altLang="ko-KR" sz="1600" b="1" dirty="0"/>
+                        <a:t>4</a:t>
+                      </a:r>
+                      <a:r>
+                        <a:rPr lang="ko-KR" altLang="en-US" sz="1600" b="1" dirty="0"/>
+                        <a:t>주</a:t>
+                      </a:r>
+                      <a:endParaRPr lang="en-US" altLang="ko-KR" sz="1600" b="1" dirty="0"/>
+                    </a:p>
+                    <a:p>
+                      <a:pPr latinLnBrk="1"/>
+                      <a:r>
+                        <a:rPr lang="en-US" altLang="ko-KR" sz="1600" b="1" dirty="0"/>
+                        <a:t>(5.18~5.24)</a:t>
+                      </a:r>
+                      <a:endParaRPr lang="ko-KR" altLang="en-US" sz="1600" b="1" dirty="0"/>
+                    </a:p>
+                  </a:txBody>
+                  <a:tcPr/>
+                </a:tc>
+                <a:tc>
+                  <a:txBody>
+                    <a:bodyPr/>
+                    <a:lstStyle/>
+                    <a:p>
+                      <a:pPr latinLnBrk="1"/>
+                      <a:r>
+                        <a:rPr lang="ko-KR" altLang="en-US" sz="1600" b="1" baseline="0" dirty="0"/>
+                        <a:t>검색</a:t>
+                      </a:r>
+                      <a:r>
+                        <a:rPr lang="en-US" altLang="ko-KR" sz="1600" b="1" baseline="0" dirty="0"/>
+                        <a:t>, </a:t>
+                      </a:r>
+                      <a:r>
+                        <a:rPr lang="ko-KR" altLang="en-US" sz="1600" b="1" baseline="0" dirty="0"/>
+                        <a:t>정보출력</a:t>
+                      </a:r>
+                      <a:r>
+                        <a:rPr lang="en-US" altLang="ko-KR" sz="1600" b="1" baseline="0" dirty="0"/>
+                        <a:t>, </a:t>
+                      </a:r>
+                      <a:r>
+                        <a:rPr lang="ko-KR" altLang="en-US" sz="1600" b="1" baseline="0" dirty="0" err="1"/>
+                        <a:t>북마크</a:t>
+                      </a:r>
+                      <a:r>
+                        <a:rPr lang="en-US" altLang="ko-KR" sz="1600" b="1" baseline="0" dirty="0"/>
+                        <a:t>,</a:t>
+                      </a:r>
+                    </a:p>
+                    <a:p>
+                      <a:pPr latinLnBrk="1"/>
+                      <a:r>
+                        <a:rPr lang="ko-KR" altLang="en-US" sz="1600" b="1" baseline="0" dirty="0"/>
+                        <a:t>홈페이지 접속</a:t>
+                      </a:r>
+                      <a:r>
+                        <a:rPr lang="en-US" altLang="ko-KR" sz="1600" b="1" baseline="0" dirty="0"/>
+                        <a:t>,</a:t>
+                      </a:r>
+                      <a:r>
+                        <a:rPr lang="ko-KR" altLang="en-US" sz="1600" b="1" baseline="0" dirty="0"/>
+                        <a:t> 지도 기능 구현</a:t>
+                      </a:r>
+                      <a:endParaRPr lang="en-US" altLang="ko-KR" sz="1600" b="1" baseline="0" dirty="0"/>
+                    </a:p>
+                  </a:txBody>
+                  <a:tcPr/>
+                </a:tc>
+                <a:tc>
+                  <a:txBody>
+                    <a:bodyPr/>
+                    <a:lstStyle/>
+                    <a:p>
+                      <a:pPr marL="0" marR="0" indent="0" algn="l" defTabSz="914400" rtl="0" eaLnBrk="1" fontAlgn="auto" latinLnBrk="1" hangingPunct="1">
+                        <a:lnSpc>
+                          <a:spcPct val="100000"/>
+                        </a:lnSpc>
+                        <a:spcBef>
+                          <a:spcPts val="0"/>
+                        </a:spcBef>
+                        <a:spcAft>
+                          <a:spcPts val="0"/>
+                        </a:spcAft>
+                        <a:buClrTx/>
+                        <a:buSzTx/>
+                        <a:buFontTx/>
+                        <a:buNone/>
+                        <a:tabLst/>
+                        <a:defRPr/>
+                      </a:pPr>
+                      <a:r>
+                        <a:rPr lang="ko-KR" altLang="en-US" sz="1600" b="1" dirty="0"/>
+                        <a:t>병원 검색</a:t>
+                      </a:r>
+                      <a:r>
+                        <a:rPr lang="en-US" altLang="ko-KR" sz="1600" b="1" dirty="0"/>
+                        <a:t>/</a:t>
+                      </a:r>
+                      <a:r>
+                        <a:rPr lang="ko-KR" altLang="en-US" sz="1600" b="1" dirty="0"/>
+                        <a:t>필터링</a:t>
+                      </a:r>
+                      <a:r>
+                        <a:rPr lang="en-US" altLang="ko-KR" sz="1600" b="1" dirty="0"/>
+                        <a:t>, </a:t>
+                      </a:r>
+                      <a:r>
+                        <a:rPr lang="ko-KR" altLang="en-US" sz="1600" b="1" dirty="0"/>
+                        <a:t>데이터 출력</a:t>
+                      </a:r>
+                      <a:r>
+                        <a:rPr lang="en-US" altLang="ko-KR" sz="1600" b="1" dirty="0"/>
+                        <a:t>, </a:t>
+                      </a:r>
+                      <a:r>
+                        <a:rPr lang="ko-KR" altLang="en-US" sz="1600" b="1" dirty="0" err="1"/>
+                        <a:t>북마크</a:t>
+                      </a:r>
+                      <a:r>
+                        <a:rPr lang="ko-KR" altLang="en-US" sz="1600" b="1" dirty="0"/>
+                        <a:t> 기능</a:t>
+                      </a:r>
+                      <a:endParaRPr lang="en-US" altLang="ko-KR" sz="1600" b="1" dirty="0"/>
+                    </a:p>
+                    <a:p>
+                      <a:pPr marL="0" marR="0" indent="0" algn="l" defTabSz="914400" rtl="0" eaLnBrk="1" fontAlgn="auto" latinLnBrk="1" hangingPunct="1">
+                        <a:lnSpc>
+                          <a:spcPct val="100000"/>
+                        </a:lnSpc>
+                        <a:spcBef>
+                          <a:spcPts val="0"/>
+                        </a:spcBef>
+                        <a:spcAft>
+                          <a:spcPts val="0"/>
+                        </a:spcAft>
+                        <a:buClrTx/>
+                        <a:buSzTx/>
+                        <a:buFontTx/>
+                        <a:buNone/>
+                        <a:tabLst/>
+                        <a:defRPr/>
+                      </a:pPr>
+                      <a:r>
+                        <a:rPr lang="en-US" altLang="ko-KR" sz="1600" b="1" dirty="0" err="1"/>
+                        <a:t>Url</a:t>
+                      </a:r>
+                      <a:r>
+                        <a:rPr lang="ko-KR" altLang="en-US" sz="1600" b="1" dirty="0"/>
+                        <a:t>접속</a:t>
+                      </a:r>
+                      <a:r>
+                        <a:rPr lang="en-US" altLang="ko-KR" sz="1600" b="1" dirty="0"/>
+                        <a:t>, </a:t>
+                      </a:r>
+                      <a:r>
+                        <a:rPr lang="en-US" altLang="ko-KR" sz="1600" b="1" dirty="0" err="1"/>
+                        <a:t>GoogleMaps</a:t>
+                      </a:r>
+                      <a:r>
+                        <a:rPr lang="en-US" altLang="ko-KR" sz="1600" b="1" dirty="0"/>
+                        <a:t> API </a:t>
+                      </a:r>
+                      <a:r>
+                        <a:rPr lang="ko-KR" altLang="en-US" sz="1600" b="1" dirty="0"/>
+                        <a:t>연동</a:t>
+                      </a:r>
+                    </a:p>
+                  </a:txBody>
+                  <a:tcPr/>
+                </a:tc>
+                <a:tc>
+                  <a:txBody>
+                    <a:bodyPr/>
+                    <a:lstStyle/>
+                    <a:p>
+                      <a:pPr latinLnBrk="1"/>
+                      <a:endParaRPr lang="ko-KR" altLang="en-US" sz="1600" dirty="0"/>
+                    </a:p>
+                  </a:txBody>
+                  <a:tcPr/>
+                </a:tc>
+                <a:extLst>
+                  <a:ext uri="{0D108BD9-81ED-4DB2-BD59-A6C34878D82A}">
+                    <a16:rowId xmlns:a16="http://schemas.microsoft.com/office/drawing/2014/main" val="3079507104"/>
+                  </a:ext>
+                </a:extLst>
+              </a:tr>
+              <a:tr h="542646">
+                <a:tc>
+                  <a:txBody>
+                    <a:bodyPr/>
+                    <a:lstStyle/>
+                    <a:p>
+                      <a:pPr latinLnBrk="1"/>
+                      <a:r>
+                        <a:rPr lang="en-US" altLang="ko-KR" sz="1600" b="1" dirty="0"/>
+                        <a:t>5</a:t>
+                      </a:r>
+                      <a:r>
+                        <a:rPr lang="ko-KR" altLang="en-US" sz="1600" b="1" dirty="0"/>
+                        <a:t>주</a:t>
+                      </a:r>
+                      <a:endParaRPr lang="en-US" altLang="ko-KR" sz="1600" b="1" dirty="0"/>
+                    </a:p>
+                    <a:p>
+                      <a:pPr latinLnBrk="1"/>
+                      <a:r>
+                        <a:rPr lang="en-US" altLang="ko-KR" sz="1600" b="1" dirty="0"/>
+                        <a:t>(5.25~5.31)</a:t>
+                      </a:r>
+                      <a:endParaRPr lang="ko-KR" altLang="en-US" sz="1600" b="1" dirty="0"/>
+                    </a:p>
+                  </a:txBody>
+                  <a:tcPr/>
+                </a:tc>
+                <a:tc>
+                  <a:txBody>
+                    <a:bodyPr/>
+                    <a:lstStyle/>
+                    <a:p>
+                      <a:pPr latinLnBrk="1"/>
+                      <a:r>
+                        <a:rPr lang="ko-KR" altLang="en-US" sz="1600" b="1" dirty="0" err="1">
+                          <a:solidFill>
+                            <a:srgbClr val="FF0000"/>
+                          </a:solidFill>
+                        </a:rPr>
+                        <a:t>중간시연</a:t>
+                      </a:r>
+                      <a:r>
+                        <a:rPr lang="ko-KR" altLang="en-US" sz="1600" b="1" dirty="0">
+                          <a:solidFill>
+                            <a:srgbClr val="FF0000"/>
+                          </a:solidFill>
+                        </a:rPr>
+                        <a:t> 발표 </a:t>
+                      </a:r>
+                      <a:r>
+                        <a:rPr lang="en-US" altLang="ko-KR" sz="1600" b="1" dirty="0">
+                          <a:solidFill>
+                            <a:srgbClr val="FF0000"/>
+                          </a:solidFill>
+                        </a:rPr>
+                        <a:t>5/31</a:t>
+                      </a:r>
+                    </a:p>
+                    <a:p>
+                      <a:pPr latinLnBrk="1"/>
+                      <a:r>
+                        <a:rPr lang="en-US" altLang="ko-KR" sz="1600" b="1" dirty="0" err="1"/>
+                        <a:t>tkinter</a:t>
+                      </a:r>
+                      <a:r>
+                        <a:rPr lang="en-US" altLang="ko-KR" sz="1600" b="1" dirty="0"/>
+                        <a:t> GUI </a:t>
+                      </a:r>
+                      <a:r>
+                        <a:rPr lang="ko-KR" altLang="en-US" sz="1600" b="1" dirty="0"/>
+                        <a:t>구현</a:t>
+                      </a:r>
+                      <a:r>
+                        <a:rPr lang="en-US" altLang="ko-KR" sz="1600" b="1" dirty="0"/>
+                        <a:t> </a:t>
+                      </a:r>
+                      <a:r>
+                        <a:rPr lang="en-US" altLang="ko-KR" sz="1600" b="1" dirty="0">
+                          <a:solidFill>
+                            <a:schemeClr val="tx1"/>
+                          </a:solidFill>
+                        </a:rPr>
+                        <a:t> </a:t>
+                      </a:r>
+                      <a:endParaRPr lang="ko-KR" altLang="en-US" sz="1600" b="1" dirty="0">
+                        <a:solidFill>
+                          <a:schemeClr val="tx1"/>
+                        </a:solidFill>
+                      </a:endParaRPr>
+                    </a:p>
+                  </a:txBody>
+                  <a:tcPr/>
+                </a:tc>
+                <a:tc>
+                  <a:txBody>
+                    <a:bodyPr/>
+                    <a:lstStyle/>
+                    <a:p>
+                      <a:pPr latinLnBrk="1"/>
+                      <a:r>
+                        <a:rPr lang="ko-KR" altLang="en-US" sz="1600" b="1" dirty="0"/>
+                        <a:t>발표자료 작성</a:t>
+                      </a:r>
+                      <a:endParaRPr lang="en-US" altLang="ko-KR" sz="1600" b="1" dirty="0"/>
+                    </a:p>
+                    <a:p>
+                      <a:pPr latinLnBrk="1"/>
+                      <a:r>
+                        <a:rPr lang="ko-KR" altLang="en-US" sz="1600" b="1" dirty="0"/>
+                        <a:t>프로그램 </a:t>
+                      </a:r>
+                      <a:r>
+                        <a:rPr lang="en-US" altLang="ko-KR" sz="1600" b="1" dirty="0" err="1"/>
+                        <a:t>tkinter</a:t>
+                      </a:r>
+                      <a:r>
+                        <a:rPr lang="ko-KR" altLang="en-US" sz="1600" b="1" dirty="0"/>
+                        <a:t>를 통해 출력</a:t>
+                      </a:r>
+                    </a:p>
+                  </a:txBody>
+                  <a:tcPr/>
+                </a:tc>
+                <a:tc>
+                  <a:txBody>
+                    <a:bodyPr/>
+                    <a:lstStyle/>
+                    <a:p>
+                      <a:pPr latinLnBrk="1"/>
+                      <a:endParaRPr lang="ko-KR" altLang="en-US" sz="1600" dirty="0"/>
+                    </a:p>
+                  </a:txBody>
+                  <a:tcPr/>
+                </a:tc>
+                <a:extLst>
+                  <a:ext uri="{0D108BD9-81ED-4DB2-BD59-A6C34878D82A}">
+                    <a16:rowId xmlns:a16="http://schemas.microsoft.com/office/drawing/2014/main" val="94333453"/>
+                  </a:ext>
+                </a:extLst>
+              </a:tr>
+              <a:tr h="542646">
+                <a:tc>
+                  <a:txBody>
+                    <a:bodyPr/>
+                    <a:lstStyle/>
+                    <a:p>
+                      <a:pPr latinLnBrk="1"/>
+                      <a:r>
+                        <a:rPr lang="en-US" altLang="ko-KR" sz="1600" b="1" dirty="0"/>
+                        <a:t>6</a:t>
+                      </a:r>
+                      <a:r>
+                        <a:rPr lang="ko-KR" altLang="en-US" sz="1600" b="1" dirty="0"/>
+                        <a:t>주</a:t>
+                      </a:r>
+                      <a:endParaRPr lang="en-US" altLang="ko-KR" sz="1600" b="1" dirty="0"/>
+                    </a:p>
+                    <a:p>
+                      <a:pPr latinLnBrk="1"/>
+                      <a:r>
+                        <a:rPr lang="en-US" altLang="ko-KR" sz="1600" b="1" dirty="0"/>
+                        <a:t>(6.1~6.7)</a:t>
+                      </a:r>
+                      <a:endParaRPr lang="ko-KR" altLang="en-US" sz="1600" b="1" dirty="0"/>
+                    </a:p>
+                  </a:txBody>
+                  <a:tcPr/>
+                </a:tc>
+                <a:tc>
+                  <a:txBody>
+                    <a:bodyPr/>
+                    <a:lstStyle/>
+                    <a:p>
+                      <a:pPr marL="0" marR="0" indent="0" algn="l" defTabSz="914400" rtl="0" eaLnBrk="1" fontAlgn="auto" latinLnBrk="1" hangingPunct="1">
+                        <a:lnSpc>
+                          <a:spcPct val="100000"/>
+                        </a:lnSpc>
+                        <a:spcBef>
+                          <a:spcPts val="0"/>
+                        </a:spcBef>
+                        <a:spcAft>
+                          <a:spcPts val="0"/>
+                        </a:spcAft>
+                        <a:buClrTx/>
+                        <a:buSzTx/>
+                        <a:buFontTx/>
+                        <a:buNone/>
+                        <a:tabLst/>
+                        <a:defRPr/>
+                      </a:pPr>
+                      <a:r>
+                        <a:rPr lang="ko-KR" altLang="en-US" sz="1600" b="1" dirty="0" err="1"/>
+                        <a:t>텔레그램봇</a:t>
+                      </a:r>
+                      <a:r>
+                        <a:rPr lang="ko-KR" altLang="en-US" sz="1600" b="1" dirty="0"/>
+                        <a:t> 구현</a:t>
+                      </a:r>
+                      <a:endParaRPr lang="en-US" altLang="ko-KR" sz="1600" b="1" dirty="0"/>
+                    </a:p>
+                  </a:txBody>
+                  <a:tcPr/>
+                </a:tc>
+                <a:tc>
+                  <a:txBody>
+                    <a:bodyPr/>
+                    <a:lstStyle/>
+                    <a:p>
+                      <a:pPr latinLnBrk="1"/>
+                      <a:r>
+                        <a:rPr lang="ko-KR" altLang="en-US" sz="1600" b="1" dirty="0" err="1"/>
+                        <a:t>텔레그램봇을</a:t>
+                      </a:r>
+                      <a:r>
+                        <a:rPr lang="ko-KR" altLang="en-US" sz="1600" b="1" dirty="0"/>
+                        <a:t> 통해 정보 출력 구현</a:t>
+                      </a:r>
+                    </a:p>
+                  </a:txBody>
+                  <a:tcPr/>
+                </a:tc>
+                <a:tc>
+                  <a:txBody>
+                    <a:bodyPr/>
+                    <a:lstStyle/>
+                    <a:p>
+                      <a:pPr latinLnBrk="1"/>
+                      <a:endParaRPr lang="ko-KR" altLang="en-US" sz="1600" dirty="0"/>
+                    </a:p>
+                  </a:txBody>
+                  <a:tcPr/>
+                </a:tc>
+                <a:extLst>
+                  <a:ext uri="{0D108BD9-81ED-4DB2-BD59-A6C34878D82A}">
+                    <a16:rowId xmlns:a16="http://schemas.microsoft.com/office/drawing/2014/main" val="3155219568"/>
+                  </a:ext>
+                </a:extLst>
+              </a:tr>
+              <a:tr h="542646">
+                <a:tc>
+                  <a:txBody>
+                    <a:bodyPr/>
+                    <a:lstStyle/>
+                    <a:p>
+                      <a:pPr latinLnBrk="1"/>
+                      <a:r>
+                        <a:rPr lang="en-US" altLang="ko-KR" sz="1600" b="1" dirty="0"/>
+                        <a:t>7</a:t>
+                      </a:r>
+                      <a:r>
+                        <a:rPr lang="ko-KR" altLang="en-US" sz="1600" b="1" dirty="0"/>
+                        <a:t>주</a:t>
+                      </a:r>
+                      <a:endParaRPr lang="en-US" altLang="ko-KR" sz="1600" b="1" dirty="0"/>
+                    </a:p>
+                    <a:p>
+                      <a:pPr latinLnBrk="1"/>
+                      <a:r>
+                        <a:rPr lang="en-US" altLang="ko-KR" sz="1600" b="1" dirty="0"/>
+                        <a:t>(6.8~6.14)</a:t>
+                      </a:r>
+                      <a:endParaRPr lang="ko-KR" altLang="en-US" sz="1600" b="1" dirty="0"/>
+                    </a:p>
+                  </a:txBody>
+                  <a:tcPr/>
+                </a:tc>
+                <a:tc>
+                  <a:txBody>
+                    <a:bodyPr/>
+                    <a:lstStyle/>
+                    <a:p>
+                      <a:pPr latinLnBrk="1"/>
+                      <a:r>
+                        <a:rPr lang="ko-KR" altLang="en-US" sz="1600" b="1" baseline="0" dirty="0"/>
+                        <a:t>메일 보내기 기능</a:t>
+                      </a:r>
+                      <a:r>
+                        <a:rPr lang="en-US" altLang="ko-KR" sz="1600" b="1" baseline="0" dirty="0"/>
+                        <a:t> </a:t>
+                      </a:r>
+                      <a:r>
+                        <a:rPr lang="ko-KR" altLang="en-US" sz="1600" b="1" baseline="0" dirty="0"/>
+                        <a:t>및 </a:t>
+                      </a:r>
+                      <a:endParaRPr lang="en-US" altLang="ko-KR" sz="1600" b="1" baseline="0" dirty="0"/>
+                    </a:p>
+                    <a:p>
+                      <a:pPr latinLnBrk="1"/>
+                      <a:r>
+                        <a:rPr lang="ko-KR" altLang="en-US" sz="1600" b="1" baseline="0" dirty="0"/>
+                        <a:t>기타 추가 기능</a:t>
+                      </a:r>
+                      <a:endParaRPr lang="ko-KR" altLang="en-US" sz="1600" b="1" dirty="0"/>
+                    </a:p>
+                  </a:txBody>
+                  <a:tcPr/>
+                </a:tc>
+                <a:tc>
+                  <a:txBody>
+                    <a:bodyPr/>
+                    <a:lstStyle/>
+                    <a:p>
+                      <a:pPr latinLnBrk="1"/>
+                      <a:r>
+                        <a:rPr lang="ko-KR" altLang="en-US" sz="1600" b="1" dirty="0"/>
+                        <a:t>이메일 기능 등 추가 기능 구현</a:t>
+                      </a:r>
+                    </a:p>
+                  </a:txBody>
+                  <a:tcPr/>
+                </a:tc>
+                <a:tc>
+                  <a:txBody>
+                    <a:bodyPr/>
+                    <a:lstStyle/>
+                    <a:p>
+                      <a:pPr latinLnBrk="1"/>
+                      <a:endParaRPr lang="ko-KR" altLang="en-US" sz="1600" dirty="0"/>
+                    </a:p>
+                  </a:txBody>
+                  <a:tcPr/>
+                </a:tc>
+                <a:extLst>
+                  <a:ext uri="{0D108BD9-81ED-4DB2-BD59-A6C34878D82A}">
+                    <a16:rowId xmlns:a16="http://schemas.microsoft.com/office/drawing/2014/main" val="1083539043"/>
+                  </a:ext>
+                </a:extLst>
+              </a:tr>
+              <a:tr h="542646">
+                <a:tc>
+                  <a:txBody>
+                    <a:bodyPr/>
+                    <a:lstStyle/>
+                    <a:p>
+                      <a:pPr latinLnBrk="1"/>
+                      <a:r>
+                        <a:rPr lang="en-US" altLang="ko-KR" sz="1600" b="1" dirty="0"/>
+                        <a:t>8</a:t>
+                      </a:r>
+                      <a:r>
+                        <a:rPr lang="ko-KR" altLang="en-US" sz="1600" b="1" dirty="0"/>
+                        <a:t>주</a:t>
+                      </a:r>
+                      <a:endParaRPr lang="en-US" altLang="ko-KR" sz="1600" b="1" dirty="0"/>
+                    </a:p>
+                    <a:p>
+                      <a:pPr latinLnBrk="1"/>
+                      <a:r>
+                        <a:rPr lang="en-US" altLang="ko-KR" sz="1600" b="1" dirty="0"/>
+                        <a:t>(6.15~6.21)</a:t>
+                      </a:r>
+                      <a:endParaRPr lang="ko-KR" altLang="en-US" sz="1600" b="1" dirty="0"/>
+                    </a:p>
+                  </a:txBody>
+                  <a:tcPr/>
+                </a:tc>
+                <a:tc>
+                  <a:txBody>
+                    <a:bodyPr/>
+                    <a:lstStyle/>
+                    <a:p>
+                      <a:pPr marL="0" marR="0" indent="0" algn="l" defTabSz="914400" rtl="0" eaLnBrk="1" fontAlgn="auto" latinLnBrk="1" hangingPunct="1">
+                        <a:lnSpc>
+                          <a:spcPct val="100000"/>
+                        </a:lnSpc>
+                        <a:spcBef>
+                          <a:spcPts val="0"/>
+                        </a:spcBef>
+                        <a:spcAft>
+                          <a:spcPts val="0"/>
+                        </a:spcAft>
+                        <a:buClrTx/>
+                        <a:buSzTx/>
+                        <a:buFontTx/>
+                        <a:buNone/>
+                        <a:tabLst/>
+                        <a:defRPr/>
+                      </a:pPr>
+                      <a:r>
+                        <a:rPr lang="en-US" altLang="ko-KR" sz="1600" b="1" dirty="0"/>
+                        <a:t>C/C++</a:t>
+                      </a:r>
+                      <a:r>
+                        <a:rPr lang="ko-KR" altLang="en-US" sz="1600" b="1" dirty="0"/>
+                        <a:t>연동</a:t>
+                      </a:r>
+                      <a:r>
+                        <a:rPr lang="en-US" altLang="ko-KR" sz="1600" b="1" dirty="0"/>
+                        <a:t>, </a:t>
+                      </a:r>
+                      <a:r>
+                        <a:rPr lang="ko-KR" altLang="en-US" sz="1600" b="1" dirty="0"/>
+                        <a:t>배포파일 작성</a:t>
+                      </a:r>
+                      <a:endParaRPr lang="en-US" altLang="ko-KR" sz="1600" b="1" dirty="0"/>
+                    </a:p>
+                    <a:p>
+                      <a:pPr latinLnBrk="1"/>
+                      <a:r>
+                        <a:rPr lang="ko-KR" altLang="en-US" sz="1600" b="1" dirty="0">
+                          <a:solidFill>
+                            <a:srgbClr val="FF0000"/>
+                          </a:solidFill>
+                        </a:rPr>
+                        <a:t>최종구현 발표 </a:t>
+                      </a:r>
+                      <a:r>
+                        <a:rPr lang="en-US" altLang="ko-KR" sz="1600" b="1" dirty="0">
+                          <a:solidFill>
+                            <a:srgbClr val="FF0000"/>
+                          </a:solidFill>
+                        </a:rPr>
+                        <a:t>6/19</a:t>
+                      </a:r>
+                      <a:endParaRPr lang="ko-KR" altLang="en-US" sz="1600" b="1" dirty="0">
+                        <a:solidFill>
+                          <a:srgbClr val="FF0000"/>
+                        </a:solidFill>
+                      </a:endParaRPr>
+                    </a:p>
+                  </a:txBody>
+                  <a:tcPr/>
+                </a:tc>
+                <a:tc>
+                  <a:txBody>
+                    <a:bodyPr/>
+                    <a:lstStyle/>
+                    <a:p>
+                      <a:pPr latinLnBrk="1"/>
+                      <a:r>
+                        <a:rPr lang="ko-KR" altLang="en-US" sz="1600" b="1" dirty="0"/>
+                        <a:t>발표자료 작성</a:t>
+                      </a:r>
+                      <a:endParaRPr lang="en-US" altLang="ko-KR" sz="1600" b="1" dirty="0"/>
+                    </a:p>
+                    <a:p>
+                      <a:pPr latinLnBrk="1"/>
+                      <a:r>
+                        <a:rPr lang="en-US" altLang="ko-KR" sz="1600" b="1" dirty="0"/>
+                        <a:t>C/C++</a:t>
+                      </a:r>
+                      <a:r>
+                        <a:rPr lang="ko-KR" altLang="en-US" sz="1600" b="1" dirty="0"/>
+                        <a:t>연동</a:t>
+                      </a:r>
+                      <a:r>
+                        <a:rPr lang="en-US" altLang="ko-KR" sz="1600" b="1" dirty="0"/>
+                        <a:t>, </a:t>
+                      </a:r>
+                      <a:r>
+                        <a:rPr lang="en-US" altLang="ko-KR" sz="1600" b="1" dirty="0" err="1"/>
+                        <a:t>distutils</a:t>
+                      </a:r>
+                      <a:r>
+                        <a:rPr lang="en-US" altLang="ko-KR" sz="1600" b="1" baseline="0" dirty="0"/>
+                        <a:t> </a:t>
+                      </a:r>
+                      <a:r>
+                        <a:rPr lang="ko-KR" altLang="en-US" sz="1600" b="1" baseline="0" dirty="0"/>
+                        <a:t>모듈 활용 배포파일 작성</a:t>
+                      </a:r>
+                      <a:r>
+                        <a:rPr lang="en-US" altLang="ko-KR" sz="1600" b="1" baseline="0" dirty="0"/>
+                        <a:t> </a:t>
+                      </a:r>
+                      <a:endParaRPr lang="ko-KR" altLang="en-US" sz="1600" b="1" dirty="0"/>
+                    </a:p>
+                  </a:txBody>
+                  <a:tcPr/>
+                </a:tc>
+                <a:tc>
+                  <a:txBody>
+                    <a:bodyPr/>
+                    <a:lstStyle/>
+                    <a:p>
+                      <a:pPr latinLnBrk="1"/>
+                      <a:endParaRPr lang="ko-KR" altLang="en-US" sz="1600" dirty="0"/>
+                    </a:p>
+                  </a:txBody>
+                  <a:tcPr/>
+                </a:tc>
+                <a:extLst>
+                  <a:ext uri="{0D108BD9-81ED-4DB2-BD59-A6C34878D82A}">
+                    <a16:rowId xmlns:a16="http://schemas.microsoft.com/office/drawing/2014/main" val="746666000"/>
+                  </a:ext>
+                </a:extLst>
+              </a:tr>
+            </a:tbl>
+          </a:graphicData>
+        </a:graphic>
+      </p:graphicFrame>
+      <p:sp>
+        <p:nvSpPr>
+          <p:cNvPr id="20" name="타원 19">
+            <a:extLst>
+              <a:ext uri="{FF2B5EF4-FFF2-40B4-BE49-F238E27FC236}">
+                <a16:creationId xmlns:a16="http://schemas.microsoft.com/office/drawing/2014/main" id="{E732C69C-E6F9-4777-8E06-4277371F9DEA}"/>
+              </a:ext>
+            </a:extLst>
+          </p:cNvPr>
+          <p:cNvSpPr/>
+          <p:nvPr/>
+        </p:nvSpPr>
+        <p:spPr>
+          <a:xfrm>
+            <a:off x="10610094" y="1801787"/>
+            <a:ext cx="362701" cy="344005"/>
+          </a:xfrm>
+          <a:prstGeom prst="ellipse">
+            <a:avLst/>
+          </a:prstGeom>
+          <a:noFill/>
+          <a:ln>
+            <a:solidFill>
+              <a:srgbClr val="FF0000"/>
+            </a:solidFill>
+          </a:ln>
+        </p:spPr>
+        <p:style>
+          <a:lnRef idx="2">
+            <a:schemeClr val="accent1">
+              <a:shade val="50000"/>
+            </a:schemeClr>
+          </a:lnRef>
+          <a:fillRef idx="1">
+            <a:schemeClr val="accent1"/>
+          </a:fillRef>
+          <a:effectRef idx="0">
+            <a:schemeClr val="accent1"/>
+          </a:effectRef>
+          <a:fontRef idx="minor">
+            <a:schemeClr val="lt1"/>
+          </a:fontRef>
+        </p:style>
+        <p:txBody>
+          <a:bodyPr rtlCol="0" anchor="ctr"/>
+          <a:lstStyle/>
+          <a:p>
+            <a:pPr algn="ctr"/>
+            <a:endParaRPr lang="ko-KR" altLang="en-US"/>
+          </a:p>
+        </p:txBody>
+      </p:sp>
+      <p:sp>
+        <p:nvSpPr>
+          <p:cNvPr id="21" name="타원 20">
+            <a:extLst>
+              <a:ext uri="{FF2B5EF4-FFF2-40B4-BE49-F238E27FC236}">
+                <a16:creationId xmlns:a16="http://schemas.microsoft.com/office/drawing/2014/main" id="{E7935FEE-71BA-4B25-85D3-3E076559A18E}"/>
+              </a:ext>
+            </a:extLst>
+          </p:cNvPr>
+          <p:cNvSpPr/>
+          <p:nvPr/>
+        </p:nvSpPr>
+        <p:spPr>
+          <a:xfrm>
+            <a:off x="10610095" y="2986813"/>
+            <a:ext cx="362701" cy="344005"/>
+          </a:xfrm>
+          <a:prstGeom prst="ellipse">
+            <a:avLst/>
+          </a:prstGeom>
+          <a:noFill/>
+          <a:ln>
+            <a:solidFill>
+              <a:srgbClr val="FF0000"/>
+            </a:solidFill>
+          </a:ln>
+        </p:spPr>
+        <p:style>
+          <a:lnRef idx="2">
+            <a:schemeClr val="accent1">
+              <a:shade val="50000"/>
+            </a:schemeClr>
+          </a:lnRef>
+          <a:fillRef idx="1">
+            <a:schemeClr val="accent1"/>
+          </a:fillRef>
+          <a:effectRef idx="0">
+            <a:schemeClr val="accent1"/>
+          </a:effectRef>
+          <a:fontRef idx="minor">
+            <a:schemeClr val="lt1"/>
+          </a:fontRef>
+        </p:style>
+        <p:txBody>
+          <a:bodyPr rtlCol="0" anchor="ctr"/>
+          <a:lstStyle/>
+          <a:p>
+            <a:pPr algn="ctr"/>
+            <a:endParaRPr lang="ko-KR" altLang="en-US"/>
+          </a:p>
+        </p:txBody>
+      </p:sp>
+      <p:sp>
+        <p:nvSpPr>
+          <p:cNvPr id="22" name="타원 21">
+            <a:extLst>
+              <a:ext uri="{FF2B5EF4-FFF2-40B4-BE49-F238E27FC236}">
+                <a16:creationId xmlns:a16="http://schemas.microsoft.com/office/drawing/2014/main" id="{D44FCA00-8397-400F-B7E4-D359FFBCBD15}"/>
+              </a:ext>
+            </a:extLst>
+          </p:cNvPr>
+          <p:cNvSpPr/>
+          <p:nvPr/>
+        </p:nvSpPr>
+        <p:spPr>
+          <a:xfrm>
+            <a:off x="10610095" y="2394300"/>
+            <a:ext cx="362701" cy="344005"/>
+          </a:xfrm>
+          <a:prstGeom prst="ellipse">
+            <a:avLst/>
+          </a:prstGeom>
+          <a:noFill/>
+          <a:ln>
+            <a:solidFill>
+              <a:srgbClr val="FF0000"/>
+            </a:solidFill>
+          </a:ln>
+        </p:spPr>
+        <p:style>
+          <a:lnRef idx="2">
+            <a:schemeClr val="accent1">
+              <a:shade val="50000"/>
+            </a:schemeClr>
+          </a:lnRef>
+          <a:fillRef idx="1">
+            <a:schemeClr val="accent1"/>
+          </a:fillRef>
+          <a:effectRef idx="0">
+            <a:schemeClr val="accent1"/>
+          </a:effectRef>
+          <a:fontRef idx="minor">
+            <a:schemeClr val="lt1"/>
+          </a:fontRef>
+        </p:style>
+        <p:txBody>
+          <a:bodyPr rtlCol="0" anchor="ctr"/>
+          <a:lstStyle/>
+          <a:p>
+            <a:pPr algn="ctr"/>
+            <a:endParaRPr lang="ko-KR" altLang="en-US"/>
+          </a:p>
+        </p:txBody>
+      </p:sp>
+      <p:sp>
+        <p:nvSpPr>
+          <p:cNvPr id="13" name="타원 12">
+            <a:extLst>
+              <a:ext uri="{FF2B5EF4-FFF2-40B4-BE49-F238E27FC236}">
+                <a16:creationId xmlns:a16="http://schemas.microsoft.com/office/drawing/2014/main" id="{05907C02-D2BA-47B6-BC77-BB7AA4E8F3F4}"/>
+              </a:ext>
+            </a:extLst>
+          </p:cNvPr>
+          <p:cNvSpPr/>
+          <p:nvPr/>
+        </p:nvSpPr>
+        <p:spPr>
+          <a:xfrm>
+            <a:off x="10610093" y="3572399"/>
+            <a:ext cx="362701" cy="344005"/>
+          </a:xfrm>
+          <a:prstGeom prst="ellipse">
+            <a:avLst/>
+          </a:prstGeom>
+          <a:noFill/>
+          <a:ln>
+            <a:solidFill>
+              <a:srgbClr val="FF0000"/>
+            </a:solidFill>
+          </a:ln>
+        </p:spPr>
+        <p:style>
+          <a:lnRef idx="2">
+            <a:schemeClr val="accent1">
+              <a:shade val="50000"/>
+            </a:schemeClr>
+          </a:lnRef>
+          <a:fillRef idx="1">
+            <a:schemeClr val="accent1"/>
+          </a:fillRef>
+          <a:effectRef idx="0">
+            <a:schemeClr val="accent1"/>
+          </a:effectRef>
+          <a:fontRef idx="minor">
+            <a:schemeClr val="lt1"/>
+          </a:fontRef>
+        </p:style>
+        <p:txBody>
+          <a:bodyPr rtlCol="0" anchor="ctr"/>
+          <a:lstStyle/>
+          <a:p>
+            <a:pPr algn="ctr"/>
+            <a:endParaRPr lang="ko-KR" altLang="en-US"/>
+          </a:p>
+        </p:txBody>
+      </p:sp>
+      <p:sp>
+        <p:nvSpPr>
+          <p:cNvPr id="14" name="타원 13">
+            <a:extLst>
+              <a:ext uri="{FF2B5EF4-FFF2-40B4-BE49-F238E27FC236}">
+                <a16:creationId xmlns:a16="http://schemas.microsoft.com/office/drawing/2014/main" id="{430B8283-3628-458E-B661-6DCC6F6CB3B3}"/>
+              </a:ext>
+            </a:extLst>
+          </p:cNvPr>
+          <p:cNvSpPr/>
+          <p:nvPr/>
+        </p:nvSpPr>
+        <p:spPr>
+          <a:xfrm>
+            <a:off x="10610093" y="4164912"/>
+            <a:ext cx="362701" cy="344005"/>
+          </a:xfrm>
+          <a:prstGeom prst="ellipse">
+            <a:avLst/>
+          </a:prstGeom>
+          <a:noFill/>
+          <a:ln>
+            <a:solidFill>
+              <a:srgbClr val="FF0000"/>
+            </a:solidFill>
+          </a:ln>
+        </p:spPr>
+        <p:style>
+          <a:lnRef idx="2">
+            <a:schemeClr val="accent1">
+              <a:shade val="50000"/>
+            </a:schemeClr>
+          </a:lnRef>
+          <a:fillRef idx="1">
+            <a:schemeClr val="accent1"/>
+          </a:fillRef>
+          <a:effectRef idx="0">
+            <a:schemeClr val="accent1"/>
+          </a:effectRef>
+          <a:fontRef idx="minor">
+            <a:schemeClr val="lt1"/>
+          </a:fontRef>
+        </p:style>
+        <p:txBody>
+          <a:bodyPr rtlCol="0" anchor="ctr"/>
+          <a:lstStyle/>
+          <a:p>
+            <a:pPr algn="ctr"/>
+            <a:endParaRPr lang="ko-KR" altLang="en-US"/>
+          </a:p>
+        </p:txBody>
+      </p:sp>
+      <p:sp>
+        <p:nvSpPr>
+          <p:cNvPr id="15" name="TextBox 14">
+            <a:extLst>
+              <a:ext uri="{FF2B5EF4-FFF2-40B4-BE49-F238E27FC236}">
+                <a16:creationId xmlns:a16="http://schemas.microsoft.com/office/drawing/2014/main" id="{3448D89C-AD21-4C99-8FBA-5D81753A44BE}"/>
+              </a:ext>
+            </a:extLst>
+          </p:cNvPr>
+          <p:cNvSpPr txBox="1"/>
+          <p:nvPr/>
+        </p:nvSpPr>
+        <p:spPr>
+          <a:xfrm>
+            <a:off x="10889671" y="6546273"/>
+            <a:ext cx="1302329" cy="369332"/>
+          </a:xfrm>
+          <a:prstGeom prst="rect">
+            <a:avLst/>
+          </a:prstGeom>
+          <a:noFill/>
+        </p:spPr>
+        <p:txBody>
+          <a:bodyPr wrap="square" rtlCol="0">
+            <a:spAutoFit/>
+          </a:bodyPr>
+          <a:lstStyle/>
+          <a:p>
+            <a:pPr algn="ctr"/>
+            <a:r>
+              <a:rPr lang="en-US" altLang="ko-KR" b="1" dirty="0">
+                <a:solidFill>
+                  <a:schemeClr val="accent6"/>
+                </a:solidFill>
+              </a:rPr>
+              <a:t>-</a:t>
+            </a:r>
+            <a:r>
+              <a:rPr lang="en-US" altLang="ko-KR" b="1" dirty="0">
+                <a:solidFill>
+                  <a:schemeClr val="accent6"/>
+                </a:solidFill>
+                <a:latin typeface="함초롬돋움" panose="020B0604000101010101" pitchFamily="50" charset="-127"/>
+                <a:ea typeface="함초롬돋움" panose="020B0604000101010101" pitchFamily="50" charset="-127"/>
+                <a:cs typeface="함초롬돋움" panose="020B0604000101010101" pitchFamily="50" charset="-127"/>
+              </a:rPr>
               <a:t> 08 / 09 </a:t>
             </a:r>
             <a:r>
@@ -10313,10 +10434,53 @@
           </a:p>
         </p:txBody>
       </p:sp>
+      <p:cxnSp>
+        <p:nvCxnSpPr>
+          <p:cNvPr id="10" name="직선 연결선 9">
+            <a:extLst>
+              <a:ext uri="{FF2B5EF4-FFF2-40B4-BE49-F238E27FC236}">
+                <a16:creationId xmlns:a16="http://schemas.microsoft.com/office/drawing/2014/main" id="{E7C1385D-C544-4C96-986F-27B08BFDFE4E}"/>
+              </a:ext>
+            </a:extLst>
+          </p:cNvPr>
+          <p:cNvCxnSpPr>
+            <a:cxnSpLocks/>
+          </p:cNvCxnSpPr>
+          <p:nvPr/>
+        </p:nvCxnSpPr>
+        <p:spPr>
+          <a:xfrm>
+            <a:off x="574089" y="3429000"/>
+            <a:ext cx="11043821" cy="0"/>
+          </a:xfrm>
+          <a:prstGeom prst="line">
+            <a:avLst/>
+          </a:prstGeom>
+          <a:ln w="38100">
+            <a:solidFill>
+              <a:srgbClr val="FF0000"/>
+            </a:solidFill>
+          </a:ln>
+        </p:spPr>
+        <p:style>
+          <a:lnRef idx="1">
+            <a:schemeClr val="accent1"/>
+          </a:lnRef>
+          <a:fillRef idx="0">
+            <a:schemeClr val="accent1"/>
+          </a:fillRef>
+          <a:effectRef idx="0">
+            <a:schemeClr val="accent1"/>
+          </a:effectRef>
+          <a:fontRef idx="minor">
+            <a:schemeClr val="tx1"/>
+          </a:fontRef>
+        </p:style>
+      </p:cxnSp>
     </p:spTree>
     <p:extLst>
       <p:ext uri="{BB962C8B-B14F-4D97-AF65-F5344CB8AC3E}">
-        <p14:creationId xmlns:p14="http://schemas.microsoft.com/office/powerpoint/2010/main" val="1000196477"/>
+        <p14:creationId xmlns:p14="http://schemas.microsoft.com/office/powerpoint/2010/main" val="1805122818"/>
       </p:ext>
     </p:extLst>
   </p:cSld>

--- a/ppt/2016182037-스크립트언어 2차발표.pptx
+++ b/ppt/2016182037-스크립트언어 2차발표.pptx
@@ -267,7 +267,7 @@
           <a:p>
             <a:fld id="{CB5A8A7A-341F-42CE-8A49-18A9920D761A}" type="datetimeFigureOut">
               <a:rPr lang="ko-KR" altLang="en-US" smtClean="0"/>
-              <a:t>2018-05-29</a:t>
+              <a:t>2018-05-30</a:t>
             </a:fld>
             <a:endParaRPr lang="ko-KR" altLang="en-US"/>
           </a:p>
@@ -465,7 +465,7 @@
           <a:p>
             <a:fld id="{CB5A8A7A-341F-42CE-8A49-18A9920D761A}" type="datetimeFigureOut">
               <a:rPr lang="ko-KR" altLang="en-US" smtClean="0"/>
-              <a:t>2018-05-29</a:t>
+              <a:t>2018-05-30</a:t>
             </a:fld>
             <a:endParaRPr lang="ko-KR" altLang="en-US"/>
           </a:p>
@@ -673,7 +673,7 @@
           <a:p>
             <a:fld id="{CB5A8A7A-341F-42CE-8A49-18A9920D761A}" type="datetimeFigureOut">
               <a:rPr lang="ko-KR" altLang="en-US" smtClean="0"/>
-              <a:t>2018-05-29</a:t>
+              <a:t>2018-05-30</a:t>
             </a:fld>
             <a:endParaRPr lang="ko-KR" altLang="en-US"/>
           </a:p>
@@ -871,7 +871,7 @@
           <a:p>
             <a:fld id="{CB5A8A7A-341F-42CE-8A49-18A9920D761A}" type="datetimeFigureOut">
               <a:rPr lang="ko-KR" altLang="en-US" smtClean="0"/>
-              <a:t>2018-05-29</a:t>
+              <a:t>2018-05-30</a:t>
             </a:fld>
             <a:endParaRPr lang="ko-KR" altLang="en-US"/>
           </a:p>
@@ -1146,7 +1146,7 @@
           <a:p>
             <a:fld id="{CB5A8A7A-341F-42CE-8A49-18A9920D761A}" type="datetimeFigureOut">
               <a:rPr lang="ko-KR" altLang="en-US" smtClean="0"/>
-              <a:t>2018-05-29</a:t>
+              <a:t>2018-05-30</a:t>
             </a:fld>
             <a:endParaRPr lang="ko-KR" altLang="en-US"/>
           </a:p>
@@ -1411,7 +1411,7 @@
           <a:p>
             <a:fld id="{CB5A8A7A-341F-42CE-8A49-18A9920D761A}" type="datetimeFigureOut">
               <a:rPr lang="ko-KR" altLang="en-US" smtClean="0"/>
-              <a:t>2018-05-29</a:t>
+              <a:t>2018-05-30</a:t>
             </a:fld>
             <a:endParaRPr lang="ko-KR" altLang="en-US"/>
           </a:p>
@@ -1823,7 +1823,7 @@
           <a:p>
             <a:fld id="{CB5A8A7A-341F-42CE-8A49-18A9920D761A}" type="datetimeFigureOut">
               <a:rPr lang="ko-KR" altLang="en-US" smtClean="0"/>
-              <a:t>2018-05-29</a:t>
+              <a:t>2018-05-30</a:t>
             </a:fld>
             <a:endParaRPr lang="ko-KR" altLang="en-US"/>
           </a:p>
@@ -1964,7 +1964,7 @@
           <a:p>
             <a:fld id="{CB5A8A7A-341F-42CE-8A49-18A9920D761A}" type="datetimeFigureOut">
               <a:rPr lang="ko-KR" altLang="en-US" smtClean="0"/>
-              <a:t>2018-05-29</a:t>
+              <a:t>2018-05-30</a:t>
             </a:fld>
             <a:endParaRPr lang="ko-KR" altLang="en-US"/>
           </a:p>
@@ -2077,7 +2077,7 @@
           <a:p>
             <a:fld id="{CB5A8A7A-341F-42CE-8A49-18A9920D761A}" type="datetimeFigureOut">
               <a:rPr lang="ko-KR" altLang="en-US" smtClean="0"/>
-              <a:t>2018-05-29</a:t>
+              <a:t>2018-05-30</a:t>
             </a:fld>
             <a:endParaRPr lang="ko-KR" altLang="en-US"/>
           </a:p>
@@ -2388,7 +2388,7 @@
           <a:p>
             <a:fld id="{CB5A8A7A-341F-42CE-8A49-18A9920D761A}" type="datetimeFigureOut">
               <a:rPr lang="ko-KR" altLang="en-US" smtClean="0"/>
-              <a:t>2018-05-29</a:t>
+              <a:t>2018-05-30</a:t>
             </a:fld>
             <a:endParaRPr lang="ko-KR" altLang="en-US"/>
           </a:p>
@@ -2676,7 +2676,7 @@
           <a:p>
             <a:fld id="{CB5A8A7A-341F-42CE-8A49-18A9920D761A}" type="datetimeFigureOut">
               <a:rPr lang="ko-KR" altLang="en-US" smtClean="0"/>
-              <a:t>2018-05-29</a:t>
+              <a:t>2018-05-30</a:t>
             </a:fld>
             <a:endParaRPr lang="ko-KR" altLang="en-US"/>
           </a:p>
@@ -2917,7 +2917,7 @@
           <a:p>
             <a:fld id="{CB5A8A7A-341F-42CE-8A49-18A9920D761A}" type="datetimeFigureOut">
               <a:rPr lang="ko-KR" altLang="en-US" smtClean="0"/>
-              <a:t>2018-05-29</a:t>
+              <a:t>2018-05-30</a:t>
             </a:fld>
             <a:endParaRPr lang="ko-KR" altLang="en-US"/>
           </a:p>
@@ -7211,7 +7211,7 @@
         </p:nvGrpSpPr>
         <p:grpSpPr>
           <a:xfrm>
-            <a:off x="6193537" y="2987039"/>
+            <a:off x="6180380" y="2932393"/>
             <a:ext cx="5311093" cy="1048513"/>
             <a:chOff x="6193537" y="2987039"/>
             <a:chExt cx="5311093" cy="1048513"/>
@@ -7381,7 +7381,7 @@
         </p:nvGrpSpPr>
         <p:grpSpPr>
           <a:xfrm>
-            <a:off x="6108731" y="2048782"/>
+            <a:off x="6108731" y="2033675"/>
             <a:ext cx="5620430" cy="829355"/>
             <a:chOff x="6108731" y="2048782"/>
             <a:chExt cx="5620430" cy="829355"/>
@@ -7401,8 +7401,8 @@
           </p:nvSpPr>
           <p:spPr>
             <a:xfrm>
-              <a:off x="6108731" y="2453919"/>
-              <a:ext cx="2989548" cy="424218"/>
+              <a:off x="6108731" y="2489517"/>
+              <a:ext cx="2989548" cy="388620"/>
             </a:xfrm>
             <a:prstGeom prst="rect">
               <a:avLst/>
